--- a/Presentations/19-Improving Machine Learning Models.pptx
+++ b/Presentations/19-Improving Machine Learning Models.pptx
@@ -1047,7 +1047,1157 @@
 </dgm:colorsDef>
 </file>
 
+<file path=ppt/diagrams/colors2.xml><?xml version="1.0" encoding="utf-8"?>
+<dgm:colorsDef xmlns:dgm="http://schemas.openxmlformats.org/drawingml/2006/diagram" xmlns:a="http://schemas.openxmlformats.org/drawingml/2006/main" uniqueId="urn:microsoft.com/office/officeart/2005/8/colors/colorful1">
+  <dgm:title val=""/>
+  <dgm:desc val=""/>
+  <dgm:catLst>
+    <dgm:cat type="colorful" pri="10100"/>
+  </dgm:catLst>
+  <dgm:styleLbl name="node0">
+    <dgm:fillClrLst meth="repeat">
+      <a:schemeClr val="accent1"/>
+    </dgm:fillClrLst>
+    <dgm:linClrLst meth="repeat">
+      <a:schemeClr val="lt1"/>
+    </dgm:linClrLst>
+    <dgm:effectClrLst/>
+    <dgm:txLinClrLst/>
+    <dgm:txFillClrLst/>
+    <dgm:txEffectClrLst/>
+  </dgm:styleLbl>
+  <dgm:styleLbl name="node1">
+    <dgm:fillClrLst meth="repeat">
+      <a:schemeClr val="accent2"/>
+      <a:schemeClr val="accent3"/>
+      <a:schemeClr val="accent4"/>
+      <a:schemeClr val="accent5"/>
+      <a:schemeClr val="accent6"/>
+    </dgm:fillClrLst>
+    <dgm:linClrLst meth="repeat">
+      <a:schemeClr val="lt1"/>
+    </dgm:linClrLst>
+    <dgm:effectClrLst/>
+    <dgm:txLinClrLst/>
+    <dgm:txFillClrLst/>
+    <dgm:txEffectClrLst/>
+  </dgm:styleLbl>
+  <dgm:styleLbl name="alignNode1">
+    <dgm:fillClrLst meth="repeat">
+      <a:schemeClr val="accent2"/>
+      <a:schemeClr val="accent3"/>
+      <a:schemeClr val="accent4"/>
+      <a:schemeClr val="accent5"/>
+      <a:schemeClr val="accent6"/>
+    </dgm:fillClrLst>
+    <dgm:linClrLst meth="repeat">
+      <a:schemeClr val="accent2"/>
+      <a:schemeClr val="accent3"/>
+      <a:schemeClr val="accent4"/>
+      <a:schemeClr val="accent5"/>
+      <a:schemeClr val="accent6"/>
+    </dgm:linClrLst>
+    <dgm:effectClrLst/>
+    <dgm:txLinClrLst/>
+    <dgm:txFillClrLst/>
+    <dgm:txEffectClrLst/>
+  </dgm:styleLbl>
+  <dgm:styleLbl name="lnNode1">
+    <dgm:fillClrLst meth="repeat">
+      <a:schemeClr val="accent2"/>
+      <a:schemeClr val="accent3"/>
+      <a:schemeClr val="accent4"/>
+      <a:schemeClr val="accent5"/>
+      <a:schemeClr val="accent6"/>
+    </dgm:fillClrLst>
+    <dgm:linClrLst meth="repeat">
+      <a:schemeClr val="lt1"/>
+    </dgm:linClrLst>
+    <dgm:effectClrLst/>
+    <dgm:txLinClrLst/>
+    <dgm:txFillClrLst/>
+    <dgm:txEffectClrLst/>
+  </dgm:styleLbl>
+  <dgm:styleLbl name="vennNode1">
+    <dgm:fillClrLst meth="repeat">
+      <a:schemeClr val="accent2">
+        <a:alpha val="50000"/>
+      </a:schemeClr>
+      <a:schemeClr val="accent3">
+        <a:alpha val="50000"/>
+      </a:schemeClr>
+      <a:schemeClr val="accent4">
+        <a:alpha val="50000"/>
+      </a:schemeClr>
+      <a:schemeClr val="accent5">
+        <a:alpha val="50000"/>
+      </a:schemeClr>
+      <a:schemeClr val="accent6">
+        <a:alpha val="50000"/>
+      </a:schemeClr>
+    </dgm:fillClrLst>
+    <dgm:linClrLst meth="repeat">
+      <a:schemeClr val="lt1"/>
+    </dgm:linClrLst>
+    <dgm:effectClrLst/>
+    <dgm:txLinClrLst/>
+    <dgm:txFillClrLst/>
+    <dgm:txEffectClrLst/>
+  </dgm:styleLbl>
+  <dgm:styleLbl name="node2">
+    <dgm:fillClrLst>
+      <a:schemeClr val="accent2"/>
+    </dgm:fillClrLst>
+    <dgm:linClrLst meth="repeat">
+      <a:schemeClr val="lt1"/>
+    </dgm:linClrLst>
+    <dgm:effectClrLst/>
+    <dgm:txLinClrLst/>
+    <dgm:txFillClrLst/>
+    <dgm:txEffectClrLst/>
+  </dgm:styleLbl>
+  <dgm:styleLbl name="node3">
+    <dgm:fillClrLst>
+      <a:schemeClr val="accent3"/>
+    </dgm:fillClrLst>
+    <dgm:linClrLst meth="repeat">
+      <a:schemeClr val="lt1"/>
+    </dgm:linClrLst>
+    <dgm:effectClrLst/>
+    <dgm:txLinClrLst/>
+    <dgm:txFillClrLst/>
+    <dgm:txEffectClrLst/>
+  </dgm:styleLbl>
+  <dgm:styleLbl name="node4">
+    <dgm:fillClrLst>
+      <a:schemeClr val="accent4"/>
+    </dgm:fillClrLst>
+    <dgm:linClrLst meth="repeat">
+      <a:schemeClr val="lt1"/>
+    </dgm:linClrLst>
+    <dgm:effectClrLst/>
+    <dgm:txLinClrLst/>
+    <dgm:txFillClrLst/>
+    <dgm:txEffectClrLst/>
+  </dgm:styleLbl>
+  <dgm:styleLbl name="fgImgPlace1">
+    <dgm:fillClrLst meth="repeat">
+      <a:schemeClr val="accent2">
+        <a:tint val="50000"/>
+      </a:schemeClr>
+      <a:schemeClr val="accent3">
+        <a:tint val="50000"/>
+      </a:schemeClr>
+      <a:schemeClr val="accent4">
+        <a:tint val="50000"/>
+      </a:schemeClr>
+      <a:schemeClr val="accent5">
+        <a:tint val="50000"/>
+      </a:schemeClr>
+      <a:schemeClr val="accent6">
+        <a:tint val="50000"/>
+      </a:schemeClr>
+    </dgm:fillClrLst>
+    <dgm:linClrLst meth="repeat">
+      <a:schemeClr val="lt1"/>
+    </dgm:linClrLst>
+    <dgm:effectClrLst/>
+    <dgm:txLinClrLst/>
+    <dgm:txFillClrLst meth="repeat">
+      <a:schemeClr val="lt1"/>
+    </dgm:txFillClrLst>
+    <dgm:txEffectClrLst/>
+  </dgm:styleLbl>
+  <dgm:styleLbl name="alignImgPlace1">
+    <dgm:fillClrLst>
+      <a:schemeClr val="accent1">
+        <a:tint val="50000"/>
+      </a:schemeClr>
+      <a:schemeClr val="accent2">
+        <a:tint val="20000"/>
+      </a:schemeClr>
+    </dgm:fillClrLst>
+    <dgm:linClrLst meth="repeat">
+      <a:schemeClr val="lt1"/>
+    </dgm:linClrLst>
+    <dgm:effectClrLst/>
+    <dgm:txLinClrLst/>
+    <dgm:txFillClrLst meth="repeat">
+      <a:schemeClr val="lt1"/>
+    </dgm:txFillClrLst>
+    <dgm:txEffectClrLst/>
+  </dgm:styleLbl>
+  <dgm:styleLbl name="bgImgPlace1">
+    <dgm:fillClrLst>
+      <a:schemeClr val="accent1">
+        <a:tint val="50000"/>
+      </a:schemeClr>
+      <a:schemeClr val="accent2">
+        <a:tint val="20000"/>
+      </a:schemeClr>
+    </dgm:fillClrLst>
+    <dgm:linClrLst meth="repeat">
+      <a:schemeClr val="lt1"/>
+    </dgm:linClrLst>
+    <dgm:effectClrLst/>
+    <dgm:txLinClrLst/>
+    <dgm:txFillClrLst meth="repeat">
+      <a:schemeClr val="lt1"/>
+    </dgm:txFillClrLst>
+    <dgm:txEffectClrLst/>
+  </dgm:styleLbl>
+  <dgm:styleLbl name="sibTrans2D1">
+    <dgm:fillClrLst meth="repeat">
+      <a:schemeClr val="accent2"/>
+      <a:schemeClr val="accent3"/>
+      <a:schemeClr val="accent4"/>
+      <a:schemeClr val="accent5"/>
+      <a:schemeClr val="accent6"/>
+    </dgm:fillClrLst>
+    <dgm:linClrLst meth="cycle">
+      <a:schemeClr val="lt1"/>
+    </dgm:linClrLst>
+    <dgm:effectClrLst/>
+    <dgm:txLinClrLst/>
+    <dgm:txFillClrLst/>
+    <dgm:txEffectClrLst/>
+  </dgm:styleLbl>
+  <dgm:styleLbl name="fgSibTrans2D1">
+    <dgm:fillClrLst meth="repeat">
+      <a:schemeClr val="accent2"/>
+      <a:schemeClr val="accent3"/>
+      <a:schemeClr val="accent4"/>
+      <a:schemeClr val="accent5"/>
+      <a:schemeClr val="accent6"/>
+    </dgm:fillClrLst>
+    <dgm:linClrLst meth="cycle">
+      <a:schemeClr val="lt1"/>
+    </dgm:linClrLst>
+    <dgm:effectClrLst/>
+    <dgm:txLinClrLst/>
+    <dgm:txFillClrLst meth="repeat">
+      <a:schemeClr val="lt1"/>
+    </dgm:txFillClrLst>
+    <dgm:txEffectClrLst/>
+  </dgm:styleLbl>
+  <dgm:styleLbl name="bgSibTrans2D1">
+    <dgm:fillClrLst meth="repeat">
+      <a:schemeClr val="accent2"/>
+      <a:schemeClr val="accent3"/>
+      <a:schemeClr val="accent4"/>
+      <a:schemeClr val="accent5"/>
+      <a:schemeClr val="accent6"/>
+    </dgm:fillClrLst>
+    <dgm:linClrLst meth="cycle">
+      <a:schemeClr val="lt1"/>
+    </dgm:linClrLst>
+    <dgm:effectClrLst/>
+    <dgm:txLinClrLst/>
+    <dgm:txFillClrLst meth="repeat">
+      <a:schemeClr val="lt1"/>
+    </dgm:txFillClrLst>
+    <dgm:txEffectClrLst/>
+  </dgm:styleLbl>
+  <dgm:styleLbl name="sibTrans1D1">
+    <dgm:fillClrLst meth="repeat">
+      <a:schemeClr val="accent2"/>
+      <a:schemeClr val="accent3"/>
+      <a:schemeClr val="accent4"/>
+      <a:schemeClr val="accent5"/>
+      <a:schemeClr val="accent6"/>
+    </dgm:fillClrLst>
+    <dgm:linClrLst meth="repeat">
+      <a:schemeClr val="accent2"/>
+      <a:schemeClr val="accent3"/>
+      <a:schemeClr val="accent4"/>
+      <a:schemeClr val="accent5"/>
+      <a:schemeClr val="accent6"/>
+    </dgm:linClrLst>
+    <dgm:effectClrLst/>
+    <dgm:txLinClrLst/>
+    <dgm:txFillClrLst meth="repeat">
+      <a:schemeClr val="tx1"/>
+    </dgm:txFillClrLst>
+    <dgm:txEffectClrLst/>
+  </dgm:styleLbl>
+  <dgm:styleLbl name="callout">
+    <dgm:fillClrLst meth="repeat">
+      <a:schemeClr val="accent2"/>
+    </dgm:fillClrLst>
+    <dgm:linClrLst meth="repeat">
+      <a:schemeClr val="accent2">
+        <a:tint val="50000"/>
+      </a:schemeClr>
+    </dgm:linClrLst>
+    <dgm:effectClrLst/>
+    <dgm:txLinClrLst/>
+    <dgm:txFillClrLst meth="repeat">
+      <a:schemeClr val="tx1"/>
+    </dgm:txFillClrLst>
+    <dgm:txEffectClrLst/>
+  </dgm:styleLbl>
+  <dgm:styleLbl name="asst0">
+    <dgm:fillClrLst meth="repeat">
+      <a:schemeClr val="accent1"/>
+    </dgm:fillClrLst>
+    <dgm:linClrLst meth="repeat">
+      <a:schemeClr val="lt1"/>
+    </dgm:linClrLst>
+    <dgm:effectClrLst/>
+    <dgm:txLinClrLst/>
+    <dgm:txFillClrLst/>
+    <dgm:txEffectClrLst/>
+  </dgm:styleLbl>
+  <dgm:styleLbl name="asst1">
+    <dgm:fillClrLst meth="repeat">
+      <a:schemeClr val="accent2"/>
+    </dgm:fillClrLst>
+    <dgm:linClrLst meth="repeat">
+      <a:schemeClr val="lt1"/>
+    </dgm:linClrLst>
+    <dgm:effectClrLst/>
+    <dgm:txLinClrLst/>
+    <dgm:txFillClrLst/>
+    <dgm:txEffectClrLst/>
+  </dgm:styleLbl>
+  <dgm:styleLbl name="asst2">
+    <dgm:fillClrLst>
+      <a:schemeClr val="accent3"/>
+    </dgm:fillClrLst>
+    <dgm:linClrLst meth="repeat">
+      <a:schemeClr val="lt1"/>
+    </dgm:linClrLst>
+    <dgm:effectClrLst/>
+    <dgm:txLinClrLst/>
+    <dgm:txFillClrLst/>
+    <dgm:txEffectClrLst/>
+  </dgm:styleLbl>
+  <dgm:styleLbl name="asst3">
+    <dgm:fillClrLst>
+      <a:schemeClr val="accent4"/>
+    </dgm:fillClrLst>
+    <dgm:linClrLst meth="repeat">
+      <a:schemeClr val="lt1"/>
+    </dgm:linClrLst>
+    <dgm:effectClrLst/>
+    <dgm:txLinClrLst/>
+    <dgm:txFillClrLst/>
+    <dgm:txEffectClrLst/>
+  </dgm:styleLbl>
+  <dgm:styleLbl name="asst4">
+    <dgm:fillClrLst>
+      <a:schemeClr val="accent5"/>
+    </dgm:fillClrLst>
+    <dgm:linClrLst meth="repeat">
+      <a:schemeClr val="lt1"/>
+    </dgm:linClrLst>
+    <dgm:effectClrLst/>
+    <dgm:txLinClrLst/>
+    <dgm:txFillClrLst/>
+    <dgm:txEffectClrLst/>
+  </dgm:styleLbl>
+  <dgm:styleLbl name="parChTrans2D1">
+    <dgm:fillClrLst meth="repeat">
+      <a:schemeClr val="accent2"/>
+    </dgm:fillClrLst>
+    <dgm:linClrLst meth="repeat">
+      <a:schemeClr val="lt1"/>
+    </dgm:linClrLst>
+    <dgm:effectClrLst/>
+    <dgm:txLinClrLst/>
+    <dgm:txFillClrLst meth="repeat">
+      <a:schemeClr val="lt1"/>
+    </dgm:txFillClrLst>
+    <dgm:txEffectClrLst/>
+  </dgm:styleLbl>
+  <dgm:styleLbl name="parChTrans2D2">
+    <dgm:fillClrLst meth="repeat">
+      <a:schemeClr val="accent3"/>
+    </dgm:fillClrLst>
+    <dgm:linClrLst meth="repeat">
+      <a:schemeClr val="lt1"/>
+    </dgm:linClrLst>
+    <dgm:effectClrLst/>
+    <dgm:txLinClrLst/>
+    <dgm:txFillClrLst/>
+    <dgm:txEffectClrLst/>
+  </dgm:styleLbl>
+  <dgm:styleLbl name="parChTrans2D3">
+    <dgm:fillClrLst meth="repeat">
+      <a:schemeClr val="accent4"/>
+    </dgm:fillClrLst>
+    <dgm:linClrLst meth="repeat">
+      <a:schemeClr val="lt1"/>
+    </dgm:linClrLst>
+    <dgm:effectClrLst/>
+    <dgm:txLinClrLst/>
+    <dgm:txFillClrLst/>
+    <dgm:txEffectClrLst/>
+  </dgm:styleLbl>
+  <dgm:styleLbl name="parChTrans2D4">
+    <dgm:fillClrLst meth="repeat">
+      <a:schemeClr val="accent5"/>
+    </dgm:fillClrLst>
+    <dgm:linClrLst meth="repeat">
+      <a:schemeClr val="lt1"/>
+    </dgm:linClrLst>
+    <dgm:effectClrLst/>
+    <dgm:txLinClrLst/>
+    <dgm:txFillClrLst meth="repeat">
+      <a:schemeClr val="lt1"/>
+    </dgm:txFillClrLst>
+    <dgm:txEffectClrLst/>
+  </dgm:styleLbl>
+  <dgm:styleLbl name="parChTrans1D1">
+    <dgm:fillClrLst meth="repeat">
+      <a:schemeClr val="accent2"/>
+    </dgm:fillClrLst>
+    <dgm:linClrLst meth="repeat">
+      <a:schemeClr val="accent1"/>
+    </dgm:linClrLst>
+    <dgm:effectClrLst/>
+    <dgm:txLinClrLst/>
+    <dgm:txFillClrLst meth="repeat">
+      <a:schemeClr val="tx1"/>
+    </dgm:txFillClrLst>
+    <dgm:txEffectClrLst/>
+  </dgm:styleLbl>
+  <dgm:styleLbl name="parChTrans1D2">
+    <dgm:fillClrLst meth="repeat">
+      <a:schemeClr val="accent3">
+        <a:tint val="90000"/>
+      </a:schemeClr>
+    </dgm:fillClrLst>
+    <dgm:linClrLst meth="repeat">
+      <a:schemeClr val="accent2"/>
+    </dgm:linClrLst>
+    <dgm:effectClrLst/>
+    <dgm:txLinClrLst/>
+    <dgm:txFillClrLst meth="repeat">
+      <a:schemeClr val="tx1"/>
+    </dgm:txFillClrLst>
+    <dgm:txEffectClrLst/>
+  </dgm:styleLbl>
+  <dgm:styleLbl name="parChTrans1D3">
+    <dgm:fillClrLst meth="repeat">
+      <a:schemeClr val="accent4">
+        <a:tint val="70000"/>
+      </a:schemeClr>
+    </dgm:fillClrLst>
+    <dgm:linClrLst meth="repeat">
+      <a:schemeClr val="accent3"/>
+    </dgm:linClrLst>
+    <dgm:effectClrLst/>
+    <dgm:txLinClrLst/>
+    <dgm:txFillClrLst meth="repeat">
+      <a:schemeClr val="tx1"/>
+    </dgm:txFillClrLst>
+    <dgm:txEffectClrLst/>
+  </dgm:styleLbl>
+  <dgm:styleLbl name="parChTrans1D4">
+    <dgm:fillClrLst meth="repeat">
+      <a:schemeClr val="accent5">
+        <a:tint val="50000"/>
+      </a:schemeClr>
+    </dgm:fillClrLst>
+    <dgm:linClrLst meth="repeat">
+      <a:schemeClr val="accent4"/>
+    </dgm:linClrLst>
+    <dgm:effectClrLst/>
+    <dgm:txLinClrLst/>
+    <dgm:txFillClrLst meth="repeat">
+      <a:schemeClr val="tx1"/>
+    </dgm:txFillClrLst>
+    <dgm:txEffectClrLst/>
+  </dgm:styleLbl>
+  <dgm:styleLbl name="fgAcc1">
+    <dgm:fillClrLst meth="repeat">
+      <a:schemeClr val="lt1">
+        <a:alpha val="90000"/>
+      </a:schemeClr>
+    </dgm:fillClrLst>
+    <dgm:linClrLst meth="repeat">
+      <a:schemeClr val="accent2"/>
+      <a:schemeClr val="accent3"/>
+      <a:schemeClr val="accent4"/>
+      <a:schemeClr val="accent5"/>
+      <a:schemeClr val="accent6"/>
+    </dgm:linClrLst>
+    <dgm:effectClrLst/>
+    <dgm:txLinClrLst/>
+    <dgm:txFillClrLst meth="repeat">
+      <a:schemeClr val="dk1"/>
+    </dgm:txFillClrLst>
+    <dgm:txEffectClrLst/>
+  </dgm:styleLbl>
+  <dgm:styleLbl name="conFgAcc1">
+    <dgm:fillClrLst meth="repeat">
+      <a:schemeClr val="lt1">
+        <a:alpha val="90000"/>
+      </a:schemeClr>
+    </dgm:fillClrLst>
+    <dgm:linClrLst meth="repeat">
+      <a:schemeClr val="accent2"/>
+      <a:schemeClr val="accent3"/>
+      <a:schemeClr val="accent4"/>
+      <a:schemeClr val="accent5"/>
+      <a:schemeClr val="accent6"/>
+    </dgm:linClrLst>
+    <dgm:effectClrLst/>
+    <dgm:txLinClrLst/>
+    <dgm:txFillClrLst meth="repeat">
+      <a:schemeClr val="dk1"/>
+    </dgm:txFillClrLst>
+    <dgm:txEffectClrLst/>
+  </dgm:styleLbl>
+  <dgm:styleLbl name="alignAcc1">
+    <dgm:fillClrLst meth="repeat">
+      <a:schemeClr val="lt1">
+        <a:alpha val="90000"/>
+      </a:schemeClr>
+    </dgm:fillClrLst>
+    <dgm:linClrLst meth="repeat">
+      <a:schemeClr val="accent2"/>
+      <a:schemeClr val="accent3"/>
+      <a:schemeClr val="accent4"/>
+      <a:schemeClr val="accent5"/>
+      <a:schemeClr val="accent6"/>
+    </dgm:linClrLst>
+    <dgm:effectClrLst/>
+    <dgm:txLinClrLst/>
+    <dgm:txFillClrLst meth="repeat">
+      <a:schemeClr val="dk1"/>
+    </dgm:txFillClrLst>
+    <dgm:txEffectClrLst/>
+  </dgm:styleLbl>
+  <dgm:styleLbl name="trAlignAcc1">
+    <dgm:fillClrLst meth="repeat">
+      <a:schemeClr val="lt1">
+        <a:alpha val="40000"/>
+      </a:schemeClr>
+    </dgm:fillClrLst>
+    <dgm:linClrLst meth="repeat">
+      <a:schemeClr val="accent1"/>
+    </dgm:linClrLst>
+    <dgm:effectClrLst/>
+    <dgm:txLinClrLst/>
+    <dgm:txFillClrLst meth="repeat">
+      <a:schemeClr val="dk1"/>
+    </dgm:txFillClrLst>
+    <dgm:txEffectClrLst/>
+  </dgm:styleLbl>
+  <dgm:styleLbl name="bgAcc1">
+    <dgm:fillClrLst meth="repeat">
+      <a:schemeClr val="lt1">
+        <a:alpha val="90000"/>
+      </a:schemeClr>
+    </dgm:fillClrLst>
+    <dgm:linClrLst meth="repeat">
+      <a:schemeClr val="accent2"/>
+      <a:schemeClr val="accent3"/>
+      <a:schemeClr val="accent4"/>
+      <a:schemeClr val="accent5"/>
+      <a:schemeClr val="accent6"/>
+    </dgm:linClrLst>
+    <dgm:effectClrLst/>
+    <dgm:txLinClrLst/>
+    <dgm:txFillClrLst meth="repeat">
+      <a:schemeClr val="dk1"/>
+    </dgm:txFillClrLst>
+    <dgm:txEffectClrLst/>
+  </dgm:styleLbl>
+  <dgm:styleLbl name="solidFgAcc1">
+    <dgm:fillClrLst meth="repeat">
+      <a:schemeClr val="lt1"/>
+    </dgm:fillClrLst>
+    <dgm:linClrLst meth="repeat">
+      <a:schemeClr val="accent2"/>
+      <a:schemeClr val="accent3"/>
+      <a:schemeClr val="accent4"/>
+      <a:schemeClr val="accent5"/>
+      <a:schemeClr val="accent6"/>
+    </dgm:linClrLst>
+    <dgm:effectClrLst/>
+    <dgm:txLinClrLst/>
+    <dgm:txFillClrLst meth="repeat">
+      <a:schemeClr val="dk1"/>
+    </dgm:txFillClrLst>
+    <dgm:txEffectClrLst/>
+  </dgm:styleLbl>
+  <dgm:styleLbl name="solidAlignAcc1">
+    <dgm:fillClrLst meth="repeat">
+      <a:schemeClr val="lt1"/>
+    </dgm:fillClrLst>
+    <dgm:linClrLst meth="repeat">
+      <a:schemeClr val="accent2"/>
+      <a:schemeClr val="accent3"/>
+      <a:schemeClr val="accent4"/>
+      <a:schemeClr val="accent5"/>
+      <a:schemeClr val="accent6"/>
+    </dgm:linClrLst>
+    <dgm:effectClrLst/>
+    <dgm:txLinClrLst/>
+    <dgm:txFillClrLst meth="repeat">
+      <a:schemeClr val="dk1"/>
+    </dgm:txFillClrLst>
+    <dgm:txEffectClrLst/>
+  </dgm:styleLbl>
+  <dgm:styleLbl name="solidBgAcc1">
+    <dgm:fillClrLst meth="repeat">
+      <a:schemeClr val="lt1"/>
+    </dgm:fillClrLst>
+    <dgm:linClrLst meth="repeat">
+      <a:schemeClr val="accent2"/>
+      <a:schemeClr val="accent3"/>
+      <a:schemeClr val="accent4"/>
+      <a:schemeClr val="accent5"/>
+      <a:schemeClr val="accent6"/>
+    </dgm:linClrLst>
+    <dgm:effectClrLst/>
+    <dgm:txLinClrLst/>
+    <dgm:txFillClrLst meth="repeat">
+      <a:schemeClr val="dk1"/>
+    </dgm:txFillClrLst>
+    <dgm:txEffectClrLst/>
+  </dgm:styleLbl>
+  <dgm:styleLbl name="fgAccFollowNode1">
+    <dgm:fillClrLst meth="repeat">
+      <a:schemeClr val="accent2">
+        <a:tint val="40000"/>
+        <a:alpha val="90000"/>
+      </a:schemeClr>
+      <a:schemeClr val="accent3">
+        <a:tint val="40000"/>
+        <a:alpha val="90000"/>
+      </a:schemeClr>
+      <a:schemeClr val="accent4">
+        <a:tint val="40000"/>
+        <a:alpha val="90000"/>
+      </a:schemeClr>
+      <a:schemeClr val="accent5">
+        <a:tint val="40000"/>
+        <a:alpha val="90000"/>
+      </a:schemeClr>
+      <a:schemeClr val="accent6">
+        <a:tint val="40000"/>
+        <a:alpha val="90000"/>
+      </a:schemeClr>
+    </dgm:fillClrLst>
+    <dgm:linClrLst meth="repeat">
+      <a:schemeClr val="accent2">
+        <a:tint val="40000"/>
+        <a:alpha val="90000"/>
+      </a:schemeClr>
+      <a:schemeClr val="accent3">
+        <a:tint val="40000"/>
+        <a:alpha val="90000"/>
+      </a:schemeClr>
+      <a:schemeClr val="accent4">
+        <a:tint val="40000"/>
+        <a:alpha val="90000"/>
+      </a:schemeClr>
+      <a:schemeClr val="accent5">
+        <a:tint val="40000"/>
+        <a:alpha val="90000"/>
+      </a:schemeClr>
+      <a:schemeClr val="accent6">
+        <a:tint val="40000"/>
+        <a:alpha val="90000"/>
+      </a:schemeClr>
+    </dgm:linClrLst>
+    <dgm:effectClrLst/>
+    <dgm:txLinClrLst/>
+    <dgm:txFillClrLst meth="repeat">
+      <a:schemeClr val="dk1"/>
+    </dgm:txFillClrLst>
+    <dgm:txEffectClrLst/>
+  </dgm:styleLbl>
+  <dgm:styleLbl name="alignAccFollowNode1">
+    <dgm:fillClrLst meth="repeat">
+      <a:schemeClr val="accent2">
+        <a:tint val="40000"/>
+        <a:alpha val="90000"/>
+      </a:schemeClr>
+      <a:schemeClr val="accent3">
+        <a:tint val="40000"/>
+        <a:alpha val="90000"/>
+      </a:schemeClr>
+      <a:schemeClr val="accent4">
+        <a:tint val="40000"/>
+        <a:alpha val="90000"/>
+      </a:schemeClr>
+      <a:schemeClr val="accent5">
+        <a:tint val="40000"/>
+        <a:alpha val="90000"/>
+      </a:schemeClr>
+      <a:schemeClr val="accent6">
+        <a:tint val="40000"/>
+        <a:alpha val="90000"/>
+      </a:schemeClr>
+    </dgm:fillClrLst>
+    <dgm:linClrLst meth="repeat">
+      <a:schemeClr val="accent2">
+        <a:tint val="40000"/>
+        <a:alpha val="90000"/>
+      </a:schemeClr>
+      <a:schemeClr val="accent3">
+        <a:tint val="40000"/>
+        <a:alpha val="90000"/>
+      </a:schemeClr>
+      <a:schemeClr val="accent4">
+        <a:tint val="40000"/>
+        <a:alpha val="90000"/>
+      </a:schemeClr>
+      <a:schemeClr val="accent5">
+        <a:tint val="40000"/>
+        <a:alpha val="90000"/>
+      </a:schemeClr>
+      <a:schemeClr val="accent6">
+        <a:tint val="40000"/>
+        <a:alpha val="90000"/>
+      </a:schemeClr>
+    </dgm:linClrLst>
+    <dgm:effectClrLst/>
+    <dgm:txLinClrLst/>
+    <dgm:txFillClrLst meth="repeat">
+      <a:schemeClr val="dk1"/>
+    </dgm:txFillClrLst>
+    <dgm:txEffectClrLst/>
+  </dgm:styleLbl>
+  <dgm:styleLbl name="bgAccFollowNode1">
+    <dgm:fillClrLst meth="repeat">
+      <a:schemeClr val="accent2">
+        <a:tint val="40000"/>
+        <a:alpha val="90000"/>
+      </a:schemeClr>
+      <a:schemeClr val="accent3">
+        <a:tint val="40000"/>
+        <a:alpha val="90000"/>
+      </a:schemeClr>
+      <a:schemeClr val="accent4">
+        <a:tint val="40000"/>
+        <a:alpha val="90000"/>
+      </a:schemeClr>
+      <a:schemeClr val="accent5">
+        <a:tint val="40000"/>
+        <a:alpha val="90000"/>
+      </a:schemeClr>
+      <a:schemeClr val="accent6">
+        <a:tint val="40000"/>
+        <a:alpha val="90000"/>
+      </a:schemeClr>
+    </dgm:fillClrLst>
+    <dgm:linClrLst meth="repeat">
+      <a:schemeClr val="accent2">
+        <a:tint val="40000"/>
+        <a:alpha val="90000"/>
+      </a:schemeClr>
+      <a:schemeClr val="accent3">
+        <a:tint val="40000"/>
+        <a:alpha val="90000"/>
+      </a:schemeClr>
+      <a:schemeClr val="accent4">
+        <a:tint val="40000"/>
+        <a:alpha val="90000"/>
+      </a:schemeClr>
+      <a:schemeClr val="accent5">
+        <a:tint val="40000"/>
+        <a:alpha val="90000"/>
+      </a:schemeClr>
+      <a:schemeClr val="accent6">
+        <a:tint val="40000"/>
+        <a:alpha val="90000"/>
+      </a:schemeClr>
+    </dgm:linClrLst>
+    <dgm:effectClrLst/>
+    <dgm:txLinClrLst/>
+    <dgm:txFillClrLst meth="repeat">
+      <a:schemeClr val="dk1"/>
+    </dgm:txFillClrLst>
+    <dgm:txEffectClrLst/>
+  </dgm:styleLbl>
+  <dgm:styleLbl name="fgAcc0">
+    <dgm:fillClrLst meth="repeat">
+      <a:schemeClr val="lt1">
+        <a:alpha val="90000"/>
+      </a:schemeClr>
+    </dgm:fillClrLst>
+    <dgm:linClrLst>
+      <a:schemeClr val="accent1"/>
+    </dgm:linClrLst>
+    <dgm:effectClrLst/>
+    <dgm:txLinClrLst/>
+    <dgm:txFillClrLst meth="repeat">
+      <a:schemeClr val="dk1"/>
+    </dgm:txFillClrLst>
+    <dgm:txEffectClrLst/>
+  </dgm:styleLbl>
+  <dgm:styleLbl name="fgAcc2">
+    <dgm:fillClrLst meth="repeat">
+      <a:schemeClr val="lt1">
+        <a:alpha val="90000"/>
+      </a:schemeClr>
+    </dgm:fillClrLst>
+    <dgm:linClrLst>
+      <a:schemeClr val="accent2"/>
+    </dgm:linClrLst>
+    <dgm:effectClrLst/>
+    <dgm:txLinClrLst/>
+    <dgm:txFillClrLst meth="repeat">
+      <a:schemeClr val="dk1"/>
+    </dgm:txFillClrLst>
+    <dgm:txEffectClrLst/>
+  </dgm:styleLbl>
+  <dgm:styleLbl name="fgAcc3">
+    <dgm:fillClrLst meth="repeat">
+      <a:schemeClr val="lt1">
+        <a:alpha val="90000"/>
+      </a:schemeClr>
+    </dgm:fillClrLst>
+    <dgm:linClrLst>
+      <a:schemeClr val="accent3"/>
+    </dgm:linClrLst>
+    <dgm:effectClrLst/>
+    <dgm:txLinClrLst/>
+    <dgm:txFillClrLst meth="repeat">
+      <a:schemeClr val="dk1"/>
+    </dgm:txFillClrLst>
+    <dgm:txEffectClrLst/>
+  </dgm:styleLbl>
+  <dgm:styleLbl name="fgAcc4">
+    <dgm:fillClrLst meth="repeat">
+      <a:schemeClr val="lt1">
+        <a:alpha val="90000"/>
+      </a:schemeClr>
+    </dgm:fillClrLst>
+    <dgm:linClrLst>
+      <a:schemeClr val="accent4"/>
+    </dgm:linClrLst>
+    <dgm:effectClrLst/>
+    <dgm:txLinClrLst/>
+    <dgm:txFillClrLst meth="repeat">
+      <a:schemeClr val="dk1"/>
+    </dgm:txFillClrLst>
+    <dgm:txEffectClrLst/>
+  </dgm:styleLbl>
+  <dgm:styleLbl name="bgShp">
+    <dgm:fillClrLst meth="repeat">
+      <a:schemeClr val="accent2">
+        <a:tint val="40000"/>
+      </a:schemeClr>
+    </dgm:fillClrLst>
+    <dgm:linClrLst meth="repeat">
+      <a:schemeClr val="dk1"/>
+    </dgm:linClrLst>
+    <dgm:effectClrLst/>
+    <dgm:txLinClrLst/>
+    <dgm:txFillClrLst meth="repeat">
+      <a:schemeClr val="dk1"/>
+    </dgm:txFillClrLst>
+    <dgm:txEffectClrLst/>
+  </dgm:styleLbl>
+  <dgm:styleLbl name="dkBgShp">
+    <dgm:fillClrLst meth="repeat">
+      <a:schemeClr val="accent2">
+        <a:shade val="90000"/>
+      </a:schemeClr>
+    </dgm:fillClrLst>
+    <dgm:linClrLst meth="repeat">
+      <a:schemeClr val="dk1"/>
+    </dgm:linClrLst>
+    <dgm:effectClrLst/>
+    <dgm:txLinClrLst/>
+    <dgm:txFillClrLst meth="repeat">
+      <a:schemeClr val="lt1"/>
+    </dgm:txFillClrLst>
+    <dgm:txEffectClrLst/>
+  </dgm:styleLbl>
+  <dgm:styleLbl name="trBgShp">
+    <dgm:fillClrLst meth="repeat">
+      <a:schemeClr val="accent1">
+        <a:tint val="50000"/>
+        <a:alpha val="40000"/>
+      </a:schemeClr>
+    </dgm:fillClrLst>
+    <dgm:linClrLst meth="repeat">
+      <a:schemeClr val="accent2"/>
+    </dgm:linClrLst>
+    <dgm:effectClrLst/>
+    <dgm:txLinClrLst/>
+    <dgm:txFillClrLst meth="repeat">
+      <a:schemeClr val="lt1"/>
+    </dgm:txFillClrLst>
+    <dgm:txEffectClrLst/>
+  </dgm:styleLbl>
+  <dgm:styleLbl name="fgShp">
+    <dgm:fillClrLst meth="repeat">
+      <a:schemeClr val="accent2">
+        <a:tint val="40000"/>
+      </a:schemeClr>
+    </dgm:fillClrLst>
+    <dgm:linClrLst meth="repeat">
+      <a:schemeClr val="lt1"/>
+    </dgm:linClrLst>
+    <dgm:effectClrLst/>
+    <dgm:txLinClrLst/>
+    <dgm:txFillClrLst meth="repeat">
+      <a:schemeClr val="dk1"/>
+    </dgm:txFillClrLst>
+    <dgm:txEffectClrLst/>
+  </dgm:styleLbl>
+  <dgm:styleLbl name="revTx">
+    <dgm:fillClrLst meth="repeat">
+      <a:schemeClr val="lt1">
+        <a:alpha val="0"/>
+      </a:schemeClr>
+    </dgm:fillClrLst>
+    <dgm:linClrLst meth="repeat">
+      <a:schemeClr val="dk1">
+        <a:alpha val="0"/>
+      </a:schemeClr>
+    </dgm:linClrLst>
+    <dgm:effectClrLst/>
+    <dgm:txLinClrLst/>
+    <dgm:txFillClrLst meth="repeat">
+      <a:schemeClr val="tx1"/>
+    </dgm:txFillClrLst>
+    <dgm:txEffectClrLst/>
+  </dgm:styleLbl>
+</dgm:colorsDef>
+</file>
+
 <file path=ppt/diagrams/data1.xml><?xml version="1.0" encoding="utf-8"?>
+<dgm:dataModel xmlns:dgm="http://schemas.openxmlformats.org/drawingml/2006/diagram" xmlns:a="http://schemas.openxmlformats.org/drawingml/2006/main">
+  <dgm:ptLst>
+    <dgm:pt modelId="{6CD70EE5-9649-4BE9-9E1C-32642C54155E}" type="doc">
+      <dgm:prSet loTypeId="urn:microsoft.com/office/officeart/2005/8/layout/vList2" loCatId="list" qsTypeId="urn:microsoft.com/office/officeart/2005/8/quickstyle/simple1" qsCatId="simple" csTypeId="urn:microsoft.com/office/officeart/2005/8/colors/colorful1" csCatId="colorful"/>
+      <dgm:spPr/>
+      <dgm:t>
+        <a:bodyPr/>
+        <a:lstStyle/>
+        <a:p>
+          <a:endParaRPr lang="en-IN"/>
+        </a:p>
+      </dgm:t>
+    </dgm:pt>
+    <dgm:pt modelId="{57B1AEDA-0DCC-411C-AFA2-D27520685A32}">
+      <dgm:prSet/>
+      <dgm:spPr/>
+      <dgm:t>
+        <a:bodyPr/>
+        <a:lstStyle/>
+        <a:p>
+          <a:r>
+            <a:rPr lang="en-GB"/>
+            <a:t>High Variance:</a:t>
+          </a:r>
+          <a:endParaRPr lang="en-IN"/>
+        </a:p>
+      </dgm:t>
+    </dgm:pt>
+    <dgm:pt modelId="{FD127976-AB6D-47FE-848C-C435B4D0F508}" type="parTrans" cxnId="{501ABEAB-D216-466F-864B-6A87242373B2}">
+      <dgm:prSet/>
+      <dgm:spPr/>
+      <dgm:t>
+        <a:bodyPr/>
+        <a:lstStyle/>
+        <a:p>
+          <a:endParaRPr lang="en-IN"/>
+        </a:p>
+      </dgm:t>
+    </dgm:pt>
+    <dgm:pt modelId="{35434D09-D91D-4613-9437-EFF8EBFD898A}" type="sibTrans" cxnId="{501ABEAB-D216-466F-864B-6A87242373B2}">
+      <dgm:prSet/>
+      <dgm:spPr/>
+      <dgm:t>
+        <a:bodyPr/>
+        <a:lstStyle/>
+        <a:p>
+          <a:endParaRPr lang="en-IN"/>
+        </a:p>
+      </dgm:t>
+    </dgm:pt>
+    <dgm:pt modelId="{40E0D726-2751-4F8E-81E1-18B7975E7D3E}">
+      <dgm:prSet/>
+      <dgm:spPr/>
+      <dgm:t>
+        <a:bodyPr/>
+        <a:lstStyle/>
+        <a:p>
+          <a:r>
+            <a:rPr lang="en-GB"/>
+            <a:t>If your model is performing really well on the training set, but much poorer on the hold-out set</a:t>
+          </a:r>
+          <a:endParaRPr lang="en-IN"/>
+        </a:p>
+      </dgm:t>
+    </dgm:pt>
+    <dgm:pt modelId="{B23B62D0-FE55-48CB-A4B3-CA130674843C}" type="parTrans" cxnId="{E64D8C89-01BE-48C2-9E23-E74D0569966C}">
+      <dgm:prSet/>
+      <dgm:spPr/>
+      <dgm:t>
+        <a:bodyPr/>
+        <a:lstStyle/>
+        <a:p>
+          <a:endParaRPr lang="en-IN"/>
+        </a:p>
+      </dgm:t>
+    </dgm:pt>
+    <dgm:pt modelId="{692516BA-FBFF-4134-8EF8-20218FEDE138}" type="sibTrans" cxnId="{E64D8C89-01BE-48C2-9E23-E74D0569966C}">
+      <dgm:prSet/>
+      <dgm:spPr/>
+      <dgm:t>
+        <a:bodyPr/>
+        <a:lstStyle/>
+        <a:p>
+          <a:endParaRPr lang="en-IN"/>
+        </a:p>
+      </dgm:t>
+    </dgm:pt>
+    <dgm:pt modelId="{65FB6BE0-5A31-4B8C-8EBE-A8E92EFD643C}">
+      <dgm:prSet/>
+      <dgm:spPr/>
+      <dgm:t>
+        <a:bodyPr/>
+        <a:lstStyle/>
+        <a:p>
+          <a:r>
+            <a:rPr lang="en-GB"/>
+            <a:t>High Bias:</a:t>
+          </a:r>
+          <a:endParaRPr lang="en-IN"/>
+        </a:p>
+      </dgm:t>
+    </dgm:pt>
+    <dgm:pt modelId="{DA3D0CF5-4C5B-448B-AE99-C1742EAD0A76}" type="parTrans" cxnId="{0E5213C9-0FBE-4F08-BE0F-62A589FC095E}">
+      <dgm:prSet/>
+      <dgm:spPr/>
+      <dgm:t>
+        <a:bodyPr/>
+        <a:lstStyle/>
+        <a:p>
+          <a:endParaRPr lang="en-IN"/>
+        </a:p>
+      </dgm:t>
+    </dgm:pt>
+    <dgm:pt modelId="{D2FD096D-9A30-4660-8688-2B6A26DF19BC}" type="sibTrans" cxnId="{0E5213C9-0FBE-4F08-BE0F-62A589FC095E}">
+      <dgm:prSet/>
+      <dgm:spPr/>
+      <dgm:t>
+        <a:bodyPr/>
+        <a:lstStyle/>
+        <a:p>
+          <a:endParaRPr lang="en-IN"/>
+        </a:p>
+      </dgm:t>
+    </dgm:pt>
+    <dgm:pt modelId="{341C4EA5-86EB-4040-B7C2-6653F9996BC5}">
+      <dgm:prSet/>
+      <dgm:spPr/>
+      <dgm:t>
+        <a:bodyPr/>
+        <a:lstStyle/>
+        <a:p>
+          <a:r>
+            <a:rPr lang="en-GB" dirty="0"/>
+            <a:t>If your model is performing poorly on both training and test data sets, it is suffering from high bias.</a:t>
+          </a:r>
+          <a:endParaRPr lang="en-IN" dirty="0"/>
+        </a:p>
+      </dgm:t>
+    </dgm:pt>
+    <dgm:pt modelId="{E60E7F20-1F2C-4AC6-AF75-77AA7956D60A}" type="parTrans" cxnId="{BACB5C49-A61C-4BD2-BC5E-A57234800632}">
+      <dgm:prSet/>
+      <dgm:spPr/>
+      <dgm:t>
+        <a:bodyPr/>
+        <a:lstStyle/>
+        <a:p>
+          <a:endParaRPr lang="en-IN"/>
+        </a:p>
+      </dgm:t>
+    </dgm:pt>
+    <dgm:pt modelId="{22B9599A-1C5C-44DA-8BF4-4348DF703F62}" type="sibTrans" cxnId="{BACB5C49-A61C-4BD2-BC5E-A57234800632}">
+      <dgm:prSet/>
+      <dgm:spPr/>
+      <dgm:t>
+        <a:bodyPr/>
+        <a:lstStyle/>
+        <a:p>
+          <a:endParaRPr lang="en-IN"/>
+        </a:p>
+      </dgm:t>
+    </dgm:pt>
+    <dgm:pt modelId="{AC151B07-5721-459B-B90B-BCBAF7F44973}" type="pres">
+      <dgm:prSet presAssocID="{6CD70EE5-9649-4BE9-9E1C-32642C54155E}" presName="linear" presStyleCnt="0">
+        <dgm:presLayoutVars>
+          <dgm:animLvl val="lvl"/>
+          <dgm:resizeHandles val="exact"/>
+        </dgm:presLayoutVars>
+      </dgm:prSet>
+      <dgm:spPr/>
+    </dgm:pt>
+    <dgm:pt modelId="{6F390063-8690-4727-A0F6-51DE490B996C}" type="pres">
+      <dgm:prSet presAssocID="{57B1AEDA-0DCC-411C-AFA2-D27520685A32}" presName="parentText" presStyleLbl="node1" presStyleIdx="0" presStyleCnt="2">
+        <dgm:presLayoutVars>
+          <dgm:chMax val="0"/>
+          <dgm:bulletEnabled val="1"/>
+        </dgm:presLayoutVars>
+      </dgm:prSet>
+      <dgm:spPr/>
+    </dgm:pt>
+    <dgm:pt modelId="{3D7356F7-59B1-4BBC-9D08-7CE5C6ACD489}" type="pres">
+      <dgm:prSet presAssocID="{57B1AEDA-0DCC-411C-AFA2-D27520685A32}" presName="childText" presStyleLbl="revTx" presStyleIdx="0" presStyleCnt="2">
+        <dgm:presLayoutVars>
+          <dgm:bulletEnabled val="1"/>
+        </dgm:presLayoutVars>
+      </dgm:prSet>
+      <dgm:spPr/>
+    </dgm:pt>
+    <dgm:pt modelId="{C8DC376E-12C6-4DC3-A1FD-82FBE7957452}" type="pres">
+      <dgm:prSet presAssocID="{65FB6BE0-5A31-4B8C-8EBE-A8E92EFD643C}" presName="parentText" presStyleLbl="node1" presStyleIdx="1" presStyleCnt="2">
+        <dgm:presLayoutVars>
+          <dgm:chMax val="0"/>
+          <dgm:bulletEnabled val="1"/>
+        </dgm:presLayoutVars>
+      </dgm:prSet>
+      <dgm:spPr/>
+    </dgm:pt>
+    <dgm:pt modelId="{95B91EB4-3F4B-4464-A513-F9CE06869874}" type="pres">
+      <dgm:prSet presAssocID="{65FB6BE0-5A31-4B8C-8EBE-A8E92EFD643C}" presName="childText" presStyleLbl="revTx" presStyleIdx="1" presStyleCnt="2">
+        <dgm:presLayoutVars>
+          <dgm:bulletEnabled val="1"/>
+        </dgm:presLayoutVars>
+      </dgm:prSet>
+      <dgm:spPr/>
+    </dgm:pt>
+  </dgm:ptLst>
+  <dgm:cxnLst>
+    <dgm:cxn modelId="{466AD127-4771-4587-9453-50804434D771}" type="presOf" srcId="{6CD70EE5-9649-4BE9-9E1C-32642C54155E}" destId="{AC151B07-5721-459B-B90B-BCBAF7F44973}" srcOrd="0" destOrd="0" presId="urn:microsoft.com/office/officeart/2005/8/layout/vList2"/>
+    <dgm:cxn modelId="{EA17A63E-71B7-4FAA-A764-C0C9D8C00100}" type="presOf" srcId="{341C4EA5-86EB-4040-B7C2-6653F9996BC5}" destId="{95B91EB4-3F4B-4464-A513-F9CE06869874}" srcOrd="0" destOrd="0" presId="urn:microsoft.com/office/officeart/2005/8/layout/vList2"/>
+    <dgm:cxn modelId="{BACB5C49-A61C-4BD2-BC5E-A57234800632}" srcId="{65FB6BE0-5A31-4B8C-8EBE-A8E92EFD643C}" destId="{341C4EA5-86EB-4040-B7C2-6653F9996BC5}" srcOrd="0" destOrd="0" parTransId="{E60E7F20-1F2C-4AC6-AF75-77AA7956D60A}" sibTransId="{22B9599A-1C5C-44DA-8BF4-4348DF703F62}"/>
+    <dgm:cxn modelId="{3256B04E-1051-4F86-9604-CE8DBCF32B03}" type="presOf" srcId="{57B1AEDA-0DCC-411C-AFA2-D27520685A32}" destId="{6F390063-8690-4727-A0F6-51DE490B996C}" srcOrd="0" destOrd="0" presId="urn:microsoft.com/office/officeart/2005/8/layout/vList2"/>
+    <dgm:cxn modelId="{4D2C6C82-B8F0-4CA7-8DA4-BB660B62E154}" type="presOf" srcId="{40E0D726-2751-4F8E-81E1-18B7975E7D3E}" destId="{3D7356F7-59B1-4BBC-9D08-7CE5C6ACD489}" srcOrd="0" destOrd="0" presId="urn:microsoft.com/office/officeart/2005/8/layout/vList2"/>
+    <dgm:cxn modelId="{E64D8C89-01BE-48C2-9E23-E74D0569966C}" srcId="{57B1AEDA-0DCC-411C-AFA2-D27520685A32}" destId="{40E0D726-2751-4F8E-81E1-18B7975E7D3E}" srcOrd="0" destOrd="0" parTransId="{B23B62D0-FE55-48CB-A4B3-CA130674843C}" sibTransId="{692516BA-FBFF-4134-8EF8-20218FEDE138}"/>
+    <dgm:cxn modelId="{501ABEAB-D216-466F-864B-6A87242373B2}" srcId="{6CD70EE5-9649-4BE9-9E1C-32642C54155E}" destId="{57B1AEDA-0DCC-411C-AFA2-D27520685A32}" srcOrd="0" destOrd="0" parTransId="{FD127976-AB6D-47FE-848C-C435B4D0F508}" sibTransId="{35434D09-D91D-4613-9437-EFF8EBFD898A}"/>
+    <dgm:cxn modelId="{0E5213C9-0FBE-4F08-BE0F-62A589FC095E}" srcId="{6CD70EE5-9649-4BE9-9E1C-32642C54155E}" destId="{65FB6BE0-5A31-4B8C-8EBE-A8E92EFD643C}" srcOrd="1" destOrd="0" parTransId="{DA3D0CF5-4C5B-448B-AE99-C1742EAD0A76}" sibTransId="{D2FD096D-9A30-4660-8688-2B6A26DF19BC}"/>
+    <dgm:cxn modelId="{F9F77CD0-FFE7-4EDD-B70B-78BBE5E7026F}" type="presOf" srcId="{65FB6BE0-5A31-4B8C-8EBE-A8E92EFD643C}" destId="{C8DC376E-12C6-4DC3-A1FD-82FBE7957452}" srcOrd="0" destOrd="0" presId="urn:microsoft.com/office/officeart/2005/8/layout/vList2"/>
+    <dgm:cxn modelId="{25D59734-6DC2-407F-B49F-FC481B9F2E80}" type="presParOf" srcId="{AC151B07-5721-459B-B90B-BCBAF7F44973}" destId="{6F390063-8690-4727-A0F6-51DE490B996C}" srcOrd="0" destOrd="0" presId="urn:microsoft.com/office/officeart/2005/8/layout/vList2"/>
+    <dgm:cxn modelId="{BDCC5DAC-E3AD-4C0D-94B2-B0F09CE47A5D}" type="presParOf" srcId="{AC151B07-5721-459B-B90B-BCBAF7F44973}" destId="{3D7356F7-59B1-4BBC-9D08-7CE5C6ACD489}" srcOrd="1" destOrd="0" presId="urn:microsoft.com/office/officeart/2005/8/layout/vList2"/>
+    <dgm:cxn modelId="{35A1C201-DD00-49B7-A21C-45B963E9FB51}" type="presParOf" srcId="{AC151B07-5721-459B-B90B-BCBAF7F44973}" destId="{C8DC376E-12C6-4DC3-A1FD-82FBE7957452}" srcOrd="2" destOrd="0" presId="urn:microsoft.com/office/officeart/2005/8/layout/vList2"/>
+    <dgm:cxn modelId="{386CE111-75DC-4385-9C26-DF548F75CE33}" type="presParOf" srcId="{AC151B07-5721-459B-B90B-BCBAF7F44973}" destId="{95B91EB4-3F4B-4464-A513-F9CE06869874}" srcOrd="3" destOrd="0" presId="urn:microsoft.com/office/officeart/2005/8/layout/vList2"/>
+  </dgm:cxnLst>
+  <dgm:bg/>
+  <dgm:whole/>
+  <dgm:extLst>
+    <a:ext uri="http://schemas.microsoft.com/office/drawing/2008/diagram">
+      <dsp:dataModelExt xmlns:dsp="http://schemas.microsoft.com/office/drawing/2008/diagram" relId="rId6" minVer="http://schemas.openxmlformats.org/drawingml/2006/diagram"/>
+    </a:ext>
+  </dgm:extLst>
+</dgm:dataModel>
+</file>
+
+<file path=ppt/diagrams/data2.xml><?xml version="1.0" encoding="utf-8"?>
 <dgm:dataModel xmlns:dgm="http://schemas.openxmlformats.org/drawingml/2006/diagram" xmlns:a="http://schemas.openxmlformats.org/drawingml/2006/main">
   <dgm:ptLst>
     <dgm:pt modelId="{5B38FC77-8CA7-4A7A-8B5D-2FCA56353A66}" type="doc">
@@ -1139,6 +2289,298 @@
 </file>
 
 <file path=ppt/diagrams/drawing1.xml><?xml version="1.0" encoding="utf-8"?>
+<dsp:drawing xmlns:dgm="http://schemas.openxmlformats.org/drawingml/2006/diagram" xmlns:dsp="http://schemas.microsoft.com/office/drawing/2008/diagram" xmlns:a="http://schemas.openxmlformats.org/drawingml/2006/main">
+  <dsp:spTree>
+    <dsp:nvGrpSpPr>
+      <dsp:cNvPr id="0" name=""/>
+      <dsp:cNvGrpSpPr/>
+    </dsp:nvGrpSpPr>
+    <dsp:grpSpPr/>
+    <dsp:sp modelId="{6F390063-8690-4727-A0F6-51DE490B996C}">
+      <dsp:nvSpPr>
+        <dsp:cNvPr id="0" name=""/>
+        <dsp:cNvSpPr/>
+      </dsp:nvSpPr>
+      <dsp:spPr>
+        <a:xfrm>
+          <a:off x="0" y="23590"/>
+          <a:ext cx="11450188" cy="983384"/>
+        </a:xfrm>
+        <a:prstGeom prst="roundRect">
+          <a:avLst/>
+        </a:prstGeom>
+        <a:solidFill>
+          <a:schemeClr val="accent2">
+            <a:hueOff val="0"/>
+            <a:satOff val="0"/>
+            <a:lumOff val="0"/>
+            <a:alphaOff val="0"/>
+          </a:schemeClr>
+        </a:solidFill>
+        <a:ln w="12700" cap="flat" cmpd="sng" algn="ctr">
+          <a:solidFill>
+            <a:schemeClr val="lt1">
+              <a:hueOff val="0"/>
+              <a:satOff val="0"/>
+              <a:lumOff val="0"/>
+              <a:alphaOff val="0"/>
+            </a:schemeClr>
+          </a:solidFill>
+          <a:prstDash val="solid"/>
+          <a:miter lim="800000"/>
+        </a:ln>
+        <a:effectLst/>
+      </dsp:spPr>
+      <dsp:style>
+        <a:lnRef idx="2">
+          <a:scrgbClr r="0" g="0" b="0"/>
+        </a:lnRef>
+        <a:fillRef idx="1">
+          <a:scrgbClr r="0" g="0" b="0"/>
+        </a:fillRef>
+        <a:effectRef idx="0">
+          <a:scrgbClr r="0" g="0" b="0"/>
+        </a:effectRef>
+        <a:fontRef idx="minor">
+          <a:schemeClr val="lt1"/>
+        </a:fontRef>
+      </dsp:style>
+      <dsp:txBody>
+        <a:bodyPr spcFirstLastPara="0" vert="horz" wrap="square" lIns="156210" tIns="156210" rIns="156210" bIns="156210" numCol="1" spcCol="1270" anchor="ctr" anchorCtr="0">
+          <a:noAutofit/>
+        </a:bodyPr>
+        <a:lstStyle/>
+        <a:p>
+          <a:pPr marL="0" lvl="0" indent="0" algn="l" defTabSz="1822450">
+            <a:lnSpc>
+              <a:spcPct val="90000"/>
+            </a:lnSpc>
+            <a:spcBef>
+              <a:spcPct val="0"/>
+            </a:spcBef>
+            <a:spcAft>
+              <a:spcPct val="35000"/>
+            </a:spcAft>
+            <a:buNone/>
+          </a:pPr>
+          <a:r>
+            <a:rPr lang="en-GB" sz="4100" kern="1200"/>
+            <a:t>High Variance:</a:t>
+          </a:r>
+          <a:endParaRPr lang="en-IN" sz="4100" kern="1200"/>
+        </a:p>
+      </dsp:txBody>
+      <dsp:txXfrm>
+        <a:off x="48005" y="71595"/>
+        <a:ext cx="11354178" cy="887374"/>
+      </dsp:txXfrm>
+    </dsp:sp>
+    <dsp:sp modelId="{3D7356F7-59B1-4BBC-9D08-7CE5C6ACD489}">
+      <dsp:nvSpPr>
+        <dsp:cNvPr id="0" name=""/>
+        <dsp:cNvSpPr/>
+      </dsp:nvSpPr>
+      <dsp:spPr>
+        <a:xfrm>
+          <a:off x="0" y="1006975"/>
+          <a:ext cx="11450188" cy="997222"/>
+        </a:xfrm>
+        <a:prstGeom prst="rect">
+          <a:avLst/>
+        </a:prstGeom>
+        <a:noFill/>
+        <a:ln>
+          <a:noFill/>
+        </a:ln>
+        <a:effectLst/>
+      </dsp:spPr>
+      <dsp:style>
+        <a:lnRef idx="0">
+          <a:scrgbClr r="0" g="0" b="0"/>
+        </a:lnRef>
+        <a:fillRef idx="0">
+          <a:scrgbClr r="0" g="0" b="0"/>
+        </a:fillRef>
+        <a:effectRef idx="0">
+          <a:scrgbClr r="0" g="0" b="0"/>
+        </a:effectRef>
+        <a:fontRef idx="minor"/>
+      </dsp:style>
+      <dsp:txBody>
+        <a:bodyPr spcFirstLastPara="0" vert="horz" wrap="square" lIns="363543" tIns="52070" rIns="291592" bIns="52070" numCol="1" spcCol="1270" anchor="t" anchorCtr="0">
+          <a:noAutofit/>
+        </a:bodyPr>
+        <a:lstStyle/>
+        <a:p>
+          <a:pPr marL="285750" lvl="1" indent="-285750" algn="l" defTabSz="1422400">
+            <a:lnSpc>
+              <a:spcPct val="90000"/>
+            </a:lnSpc>
+            <a:spcBef>
+              <a:spcPct val="0"/>
+            </a:spcBef>
+            <a:spcAft>
+              <a:spcPct val="20000"/>
+            </a:spcAft>
+            <a:buChar char="•"/>
+          </a:pPr>
+          <a:r>
+            <a:rPr lang="en-GB" sz="3200" kern="1200"/>
+            <a:t>If your model is performing really well on the training set, but much poorer on the hold-out set</a:t>
+          </a:r>
+          <a:endParaRPr lang="en-IN" sz="3200" kern="1200"/>
+        </a:p>
+      </dsp:txBody>
+      <dsp:txXfrm>
+        <a:off x="0" y="1006975"/>
+        <a:ext cx="11450188" cy="997222"/>
+      </dsp:txXfrm>
+    </dsp:sp>
+    <dsp:sp modelId="{C8DC376E-12C6-4DC3-A1FD-82FBE7957452}">
+      <dsp:nvSpPr>
+        <dsp:cNvPr id="0" name=""/>
+        <dsp:cNvSpPr/>
+      </dsp:nvSpPr>
+      <dsp:spPr>
+        <a:xfrm>
+          <a:off x="0" y="2004198"/>
+          <a:ext cx="11450188" cy="983384"/>
+        </a:xfrm>
+        <a:prstGeom prst="roundRect">
+          <a:avLst/>
+        </a:prstGeom>
+        <a:solidFill>
+          <a:schemeClr val="accent3">
+            <a:hueOff val="0"/>
+            <a:satOff val="0"/>
+            <a:lumOff val="0"/>
+            <a:alphaOff val="0"/>
+          </a:schemeClr>
+        </a:solidFill>
+        <a:ln w="12700" cap="flat" cmpd="sng" algn="ctr">
+          <a:solidFill>
+            <a:schemeClr val="lt1">
+              <a:hueOff val="0"/>
+              <a:satOff val="0"/>
+              <a:lumOff val="0"/>
+              <a:alphaOff val="0"/>
+            </a:schemeClr>
+          </a:solidFill>
+          <a:prstDash val="solid"/>
+          <a:miter lim="800000"/>
+        </a:ln>
+        <a:effectLst/>
+      </dsp:spPr>
+      <dsp:style>
+        <a:lnRef idx="2">
+          <a:scrgbClr r="0" g="0" b="0"/>
+        </a:lnRef>
+        <a:fillRef idx="1">
+          <a:scrgbClr r="0" g="0" b="0"/>
+        </a:fillRef>
+        <a:effectRef idx="0">
+          <a:scrgbClr r="0" g="0" b="0"/>
+        </a:effectRef>
+        <a:fontRef idx="minor">
+          <a:schemeClr val="lt1"/>
+        </a:fontRef>
+      </dsp:style>
+      <dsp:txBody>
+        <a:bodyPr spcFirstLastPara="0" vert="horz" wrap="square" lIns="156210" tIns="156210" rIns="156210" bIns="156210" numCol="1" spcCol="1270" anchor="ctr" anchorCtr="0">
+          <a:noAutofit/>
+        </a:bodyPr>
+        <a:lstStyle/>
+        <a:p>
+          <a:pPr marL="0" lvl="0" indent="0" algn="l" defTabSz="1822450">
+            <a:lnSpc>
+              <a:spcPct val="90000"/>
+            </a:lnSpc>
+            <a:spcBef>
+              <a:spcPct val="0"/>
+            </a:spcBef>
+            <a:spcAft>
+              <a:spcPct val="35000"/>
+            </a:spcAft>
+            <a:buNone/>
+          </a:pPr>
+          <a:r>
+            <a:rPr lang="en-GB" sz="4100" kern="1200"/>
+            <a:t>High Bias:</a:t>
+          </a:r>
+          <a:endParaRPr lang="en-IN" sz="4100" kern="1200"/>
+        </a:p>
+      </dsp:txBody>
+      <dsp:txXfrm>
+        <a:off x="48005" y="2052203"/>
+        <a:ext cx="11354178" cy="887374"/>
+      </dsp:txXfrm>
+    </dsp:sp>
+    <dsp:sp modelId="{95B91EB4-3F4B-4464-A513-F9CE06869874}">
+      <dsp:nvSpPr>
+        <dsp:cNvPr id="0" name=""/>
+        <dsp:cNvSpPr/>
+      </dsp:nvSpPr>
+      <dsp:spPr>
+        <a:xfrm>
+          <a:off x="0" y="2987583"/>
+          <a:ext cx="11450188" cy="997222"/>
+        </a:xfrm>
+        <a:prstGeom prst="rect">
+          <a:avLst/>
+        </a:prstGeom>
+        <a:noFill/>
+        <a:ln>
+          <a:noFill/>
+        </a:ln>
+        <a:effectLst/>
+      </dsp:spPr>
+      <dsp:style>
+        <a:lnRef idx="0">
+          <a:scrgbClr r="0" g="0" b="0"/>
+        </a:lnRef>
+        <a:fillRef idx="0">
+          <a:scrgbClr r="0" g="0" b="0"/>
+        </a:fillRef>
+        <a:effectRef idx="0">
+          <a:scrgbClr r="0" g="0" b="0"/>
+        </a:effectRef>
+        <a:fontRef idx="minor"/>
+      </dsp:style>
+      <dsp:txBody>
+        <a:bodyPr spcFirstLastPara="0" vert="horz" wrap="square" lIns="363543" tIns="52070" rIns="291592" bIns="52070" numCol="1" spcCol="1270" anchor="t" anchorCtr="0">
+          <a:noAutofit/>
+        </a:bodyPr>
+        <a:lstStyle/>
+        <a:p>
+          <a:pPr marL="285750" lvl="1" indent="-285750" algn="l" defTabSz="1422400">
+            <a:lnSpc>
+              <a:spcPct val="90000"/>
+            </a:lnSpc>
+            <a:spcBef>
+              <a:spcPct val="0"/>
+            </a:spcBef>
+            <a:spcAft>
+              <a:spcPct val="20000"/>
+            </a:spcAft>
+            <a:buChar char="•"/>
+          </a:pPr>
+          <a:r>
+            <a:rPr lang="en-GB" sz="3200" kern="1200" dirty="0"/>
+            <a:t>If your model is performing poorly on both training and test data sets, it is suffering from high bias.</a:t>
+          </a:r>
+          <a:endParaRPr lang="en-IN" sz="3200" kern="1200" dirty="0"/>
+        </a:p>
+      </dsp:txBody>
+      <dsp:txXfrm>
+        <a:off x="0" y="2987583"/>
+        <a:ext cx="11450188" cy="997222"/>
+      </dsp:txXfrm>
+    </dsp:sp>
+  </dsp:spTree>
+</dsp:drawing>
+</file>
+
+<file path=ppt/diagrams/drawing2.xml><?xml version="1.0" encoding="utf-8"?>
 <dsp:drawing xmlns:dgm="http://schemas.openxmlformats.org/drawingml/2006/diagram" xmlns:dsp="http://schemas.microsoft.com/office/drawing/2008/diagram" xmlns:a="http://schemas.openxmlformats.org/drawingml/2006/main">
   <dsp:spTree>
     <dsp:nvGrpSpPr>
@@ -1400,7 +2842,1208 @@
 </dgm:layoutDef>
 </file>
 
+<file path=ppt/diagrams/layout2.xml><?xml version="1.0" encoding="utf-8"?>
+<dgm:layoutDef xmlns:dgm="http://schemas.openxmlformats.org/drawingml/2006/diagram" xmlns:a="http://schemas.openxmlformats.org/drawingml/2006/main" uniqueId="urn:microsoft.com/office/officeart/2005/8/layout/vList2">
+  <dgm:title val=""/>
+  <dgm:desc val=""/>
+  <dgm:catLst>
+    <dgm:cat type="list" pri="3000"/>
+    <dgm:cat type="convert" pri="1000"/>
+  </dgm:catLst>
+  <dgm:sampData>
+    <dgm:dataModel>
+      <dgm:ptLst>
+        <dgm:pt modelId="0" type="doc"/>
+        <dgm:pt modelId="1">
+          <dgm:prSet phldr="1"/>
+        </dgm:pt>
+        <dgm:pt modelId="11">
+          <dgm:prSet phldr="1"/>
+        </dgm:pt>
+        <dgm:pt modelId="2">
+          <dgm:prSet phldr="1"/>
+        </dgm:pt>
+        <dgm:pt modelId="21">
+          <dgm:prSet phldr="1"/>
+        </dgm:pt>
+      </dgm:ptLst>
+      <dgm:cxnLst>
+        <dgm:cxn modelId="4" srcId="0" destId="1" srcOrd="0" destOrd="0"/>
+        <dgm:cxn modelId="5" srcId="0" destId="2" srcOrd="1" destOrd="0"/>
+        <dgm:cxn modelId="12" srcId="1" destId="11" srcOrd="0" destOrd="0"/>
+        <dgm:cxn modelId="23" srcId="2" destId="21" srcOrd="0" destOrd="0"/>
+      </dgm:cxnLst>
+      <dgm:bg/>
+      <dgm:whole/>
+    </dgm:dataModel>
+  </dgm:sampData>
+  <dgm:styleData>
+    <dgm:dataModel>
+      <dgm:ptLst>
+        <dgm:pt modelId="0" type="doc"/>
+        <dgm:pt modelId="1"/>
+        <dgm:pt modelId="2"/>
+      </dgm:ptLst>
+      <dgm:cxnLst>
+        <dgm:cxn modelId="3" srcId="0" destId="1" srcOrd="0" destOrd="0"/>
+        <dgm:cxn modelId="4" srcId="0" destId="2" srcOrd="1" destOrd="0"/>
+      </dgm:cxnLst>
+      <dgm:bg/>
+      <dgm:whole/>
+    </dgm:dataModel>
+  </dgm:styleData>
+  <dgm:clrData>
+    <dgm:dataModel>
+      <dgm:ptLst>
+        <dgm:pt modelId="0" type="doc"/>
+        <dgm:pt modelId="1"/>
+        <dgm:pt modelId="2"/>
+        <dgm:pt modelId="3"/>
+        <dgm:pt modelId="4"/>
+      </dgm:ptLst>
+      <dgm:cxnLst>
+        <dgm:cxn modelId="5" srcId="0" destId="1" srcOrd="0" destOrd="0"/>
+        <dgm:cxn modelId="6" srcId="0" destId="2" srcOrd="1" destOrd="0"/>
+        <dgm:cxn modelId="7" srcId="0" destId="3" srcOrd="2" destOrd="0"/>
+        <dgm:cxn modelId="8" srcId="0" destId="4" srcOrd="3" destOrd="0"/>
+      </dgm:cxnLst>
+      <dgm:bg/>
+      <dgm:whole/>
+    </dgm:dataModel>
+  </dgm:clrData>
+  <dgm:layoutNode name="linear">
+    <dgm:varLst>
+      <dgm:animLvl val="lvl"/>
+      <dgm:resizeHandles val="exact"/>
+    </dgm:varLst>
+    <dgm:alg type="lin">
+      <dgm:param type="linDir" val="fromT"/>
+      <dgm:param type="vertAlign" val="mid"/>
+    </dgm:alg>
+    <dgm:shape xmlns:r="http://schemas.openxmlformats.org/officeDocument/2006/relationships" r:blip="">
+      <dgm:adjLst/>
+    </dgm:shape>
+    <dgm:presOf/>
+    <dgm:constrLst>
+      <dgm:constr type="w" for="ch" forName="parentText" refType="w"/>
+      <dgm:constr type="h" for="ch" forName="parentText" refType="primFontSz" refFor="ch" refForName="parentText" fact="0.52"/>
+      <dgm:constr type="w" for="ch" forName="childText" refType="w"/>
+      <dgm:constr type="h" for="ch" forName="childText" refType="primFontSz" refFor="ch" refForName="parentText" fact="0.46"/>
+      <dgm:constr type="h" for="ch" forName="parentText" op="equ"/>
+      <dgm:constr type="primFontSz" for="ch" forName="parentText" op="equ" val="65"/>
+      <dgm:constr type="primFontSz" for="ch" forName="childText" refType="primFontSz" refFor="ch" refForName="parentText" op="equ"/>
+      <dgm:constr type="h" for="ch" forName="spacer" refType="primFontSz" refFor="ch" refForName="parentText" fact="0.08"/>
+    </dgm:constrLst>
+    <dgm:ruleLst>
+      <dgm:rule type="primFontSz" for="ch" forName="parentText" val="5" fact="NaN" max="NaN"/>
+    </dgm:ruleLst>
+    <dgm:forEach name="Name0" axis="ch" ptType="node">
+      <dgm:layoutNode name="parentText" styleLbl="node1">
+        <dgm:varLst>
+          <dgm:chMax val="0"/>
+          <dgm:bulletEnabled val="1"/>
+        </dgm:varLst>
+        <dgm:alg type="tx">
+          <dgm:param type="parTxLTRAlign" val="l"/>
+          <dgm:param type="parTxRTLAlign" val="r"/>
+        </dgm:alg>
+        <dgm:shape xmlns:r="http://schemas.openxmlformats.org/officeDocument/2006/relationships" type="roundRect" r:blip="">
+          <dgm:adjLst/>
+        </dgm:shape>
+        <dgm:presOf axis="self"/>
+        <dgm:constrLst>
+          <dgm:constr type="tMarg" refType="primFontSz" fact="0.3"/>
+          <dgm:constr type="bMarg" refType="primFontSz" fact="0.3"/>
+          <dgm:constr type="lMarg" refType="primFontSz" fact="0.3"/>
+          <dgm:constr type="rMarg" refType="primFontSz" fact="0.3"/>
+        </dgm:constrLst>
+        <dgm:ruleLst>
+          <dgm:rule type="h" val="INF" fact="NaN" max="NaN"/>
+        </dgm:ruleLst>
+      </dgm:layoutNode>
+      <dgm:choose name="Name1">
+        <dgm:if name="Name2" axis="ch" ptType="node" func="cnt" op="gte" val="1">
+          <dgm:layoutNode name="childText" styleLbl="revTx">
+            <dgm:varLst>
+              <dgm:bulletEnabled val="1"/>
+            </dgm:varLst>
+            <dgm:alg type="tx">
+              <dgm:param type="stBulletLvl" val="1"/>
+              <dgm:param type="lnSpAfChP" val="20"/>
+            </dgm:alg>
+            <dgm:shape xmlns:r="http://schemas.openxmlformats.org/officeDocument/2006/relationships" type="rect" r:blip="">
+              <dgm:adjLst/>
+            </dgm:shape>
+            <dgm:presOf axis="des" ptType="node"/>
+            <dgm:constrLst>
+              <dgm:constr type="tMarg" refType="primFontSz" fact="0.1"/>
+              <dgm:constr type="bMarg" refType="primFontSz" fact="0.1"/>
+              <dgm:constr type="lMarg" refType="w" fact="0.09"/>
+            </dgm:constrLst>
+            <dgm:ruleLst>
+              <dgm:rule type="h" val="INF" fact="NaN" max="NaN"/>
+            </dgm:ruleLst>
+          </dgm:layoutNode>
+        </dgm:if>
+        <dgm:else name="Name3">
+          <dgm:choose name="Name4">
+            <dgm:if name="Name5" axis="par ch" ptType="doc node" func="cnt" op="gte" val="2">
+              <dgm:forEach name="Name6" axis="followSib" ptType="sibTrans" cnt="1">
+                <dgm:layoutNode name="spacer">
+                  <dgm:alg type="sp"/>
+                  <dgm:shape xmlns:r="http://schemas.openxmlformats.org/officeDocument/2006/relationships" r:blip="">
+                    <dgm:adjLst/>
+                  </dgm:shape>
+                  <dgm:presOf/>
+                  <dgm:constrLst/>
+                  <dgm:ruleLst/>
+                </dgm:layoutNode>
+              </dgm:forEach>
+            </dgm:if>
+            <dgm:else name="Name7"/>
+          </dgm:choose>
+        </dgm:else>
+      </dgm:choose>
+    </dgm:forEach>
+  </dgm:layoutNode>
+</dgm:layoutDef>
+</file>
+
 <file path=ppt/diagrams/quickStyle1.xml><?xml version="1.0" encoding="utf-8"?>
+<dgm:styleDef xmlns:dgm="http://schemas.openxmlformats.org/drawingml/2006/diagram" xmlns:a="http://schemas.openxmlformats.org/drawingml/2006/main" uniqueId="urn:microsoft.com/office/officeart/2005/8/quickstyle/simple1">
+  <dgm:title val=""/>
+  <dgm:desc val=""/>
+  <dgm:catLst>
+    <dgm:cat type="simple" pri="10100"/>
+  </dgm:catLst>
+  <dgm:scene3d>
+    <a:camera prst="orthographicFront"/>
+    <a:lightRig rig="threePt" dir="t"/>
+  </dgm:scene3d>
+  <dgm:styleLbl name="node0">
+    <dgm:scene3d>
+      <a:camera prst="orthographicFront"/>
+      <a:lightRig rig="threePt" dir="t"/>
+    </dgm:scene3d>
+    <dgm:sp3d/>
+    <dgm:txPr/>
+    <dgm:style>
+      <a:lnRef idx="2">
+        <a:scrgbClr r="0" g="0" b="0"/>
+      </a:lnRef>
+      <a:fillRef idx="1">
+        <a:scrgbClr r="0" g="0" b="0"/>
+      </a:fillRef>
+      <a:effectRef idx="0">
+        <a:scrgbClr r="0" g="0" b="0"/>
+      </a:effectRef>
+      <a:fontRef idx="minor">
+        <a:schemeClr val="lt1"/>
+      </a:fontRef>
+    </dgm:style>
+  </dgm:styleLbl>
+  <dgm:styleLbl name="lnNode1">
+    <dgm:scene3d>
+      <a:camera prst="orthographicFront"/>
+      <a:lightRig rig="threePt" dir="t"/>
+    </dgm:scene3d>
+    <dgm:sp3d/>
+    <dgm:txPr/>
+    <dgm:style>
+      <a:lnRef idx="2">
+        <a:scrgbClr r="0" g="0" b="0"/>
+      </a:lnRef>
+      <a:fillRef idx="1">
+        <a:scrgbClr r="0" g="0" b="0"/>
+      </a:fillRef>
+      <a:effectRef idx="0">
+        <a:scrgbClr r="0" g="0" b="0"/>
+      </a:effectRef>
+      <a:fontRef idx="minor">
+        <a:schemeClr val="lt1"/>
+      </a:fontRef>
+    </dgm:style>
+  </dgm:styleLbl>
+  <dgm:styleLbl name="vennNode1">
+    <dgm:scene3d>
+      <a:camera prst="orthographicFront"/>
+      <a:lightRig rig="threePt" dir="t"/>
+    </dgm:scene3d>
+    <dgm:sp3d/>
+    <dgm:txPr/>
+    <dgm:style>
+      <a:lnRef idx="2">
+        <a:scrgbClr r="0" g="0" b="0"/>
+      </a:lnRef>
+      <a:fillRef idx="1">
+        <a:scrgbClr r="0" g="0" b="0"/>
+      </a:fillRef>
+      <a:effectRef idx="0">
+        <a:scrgbClr r="0" g="0" b="0"/>
+      </a:effectRef>
+      <a:fontRef idx="minor">
+        <a:schemeClr val="tx1"/>
+      </a:fontRef>
+    </dgm:style>
+  </dgm:styleLbl>
+  <dgm:styleLbl name="alignNode1">
+    <dgm:scene3d>
+      <a:camera prst="orthographicFront"/>
+      <a:lightRig rig="threePt" dir="t"/>
+    </dgm:scene3d>
+    <dgm:sp3d/>
+    <dgm:txPr/>
+    <dgm:style>
+      <a:lnRef idx="2">
+        <a:scrgbClr r="0" g="0" b="0"/>
+      </a:lnRef>
+      <a:fillRef idx="1">
+        <a:scrgbClr r="0" g="0" b="0"/>
+      </a:fillRef>
+      <a:effectRef idx="0">
+        <a:scrgbClr r="0" g="0" b="0"/>
+      </a:effectRef>
+      <a:fontRef idx="minor">
+        <a:schemeClr val="lt1"/>
+      </a:fontRef>
+    </dgm:style>
+  </dgm:styleLbl>
+  <dgm:styleLbl name="node1">
+    <dgm:scene3d>
+      <a:camera prst="orthographicFront"/>
+      <a:lightRig rig="threePt" dir="t"/>
+    </dgm:scene3d>
+    <dgm:sp3d/>
+    <dgm:txPr/>
+    <dgm:style>
+      <a:lnRef idx="2">
+        <a:scrgbClr r="0" g="0" b="0"/>
+      </a:lnRef>
+      <a:fillRef idx="1">
+        <a:scrgbClr r="0" g="0" b="0"/>
+      </a:fillRef>
+      <a:effectRef idx="0">
+        <a:scrgbClr r="0" g="0" b="0"/>
+      </a:effectRef>
+      <a:fontRef idx="minor">
+        <a:schemeClr val="lt1"/>
+      </a:fontRef>
+    </dgm:style>
+  </dgm:styleLbl>
+  <dgm:styleLbl name="node2">
+    <dgm:scene3d>
+      <a:camera prst="orthographicFront"/>
+      <a:lightRig rig="threePt" dir="t"/>
+    </dgm:scene3d>
+    <dgm:sp3d/>
+    <dgm:txPr/>
+    <dgm:style>
+      <a:lnRef idx="2">
+        <a:scrgbClr r="0" g="0" b="0"/>
+      </a:lnRef>
+      <a:fillRef idx="1">
+        <a:scrgbClr r="0" g="0" b="0"/>
+      </a:fillRef>
+      <a:effectRef idx="0">
+        <a:scrgbClr r="0" g="0" b="0"/>
+      </a:effectRef>
+      <a:fontRef idx="minor">
+        <a:schemeClr val="lt1"/>
+      </a:fontRef>
+    </dgm:style>
+  </dgm:styleLbl>
+  <dgm:styleLbl name="node3">
+    <dgm:scene3d>
+      <a:camera prst="orthographicFront"/>
+      <a:lightRig rig="threePt" dir="t"/>
+    </dgm:scene3d>
+    <dgm:sp3d/>
+    <dgm:txPr/>
+    <dgm:style>
+      <a:lnRef idx="2">
+        <a:scrgbClr r="0" g="0" b="0"/>
+      </a:lnRef>
+      <a:fillRef idx="1">
+        <a:scrgbClr r="0" g="0" b="0"/>
+      </a:fillRef>
+      <a:effectRef idx="0">
+        <a:scrgbClr r="0" g="0" b="0"/>
+      </a:effectRef>
+      <a:fontRef idx="minor">
+        <a:schemeClr val="lt1"/>
+      </a:fontRef>
+    </dgm:style>
+  </dgm:styleLbl>
+  <dgm:styleLbl name="node4">
+    <dgm:scene3d>
+      <a:camera prst="orthographicFront"/>
+      <a:lightRig rig="threePt" dir="t"/>
+    </dgm:scene3d>
+    <dgm:sp3d/>
+    <dgm:txPr/>
+    <dgm:style>
+      <a:lnRef idx="2">
+        <a:scrgbClr r="0" g="0" b="0"/>
+      </a:lnRef>
+      <a:fillRef idx="1">
+        <a:scrgbClr r="0" g="0" b="0"/>
+      </a:fillRef>
+      <a:effectRef idx="0">
+        <a:scrgbClr r="0" g="0" b="0"/>
+      </a:effectRef>
+      <a:fontRef idx="minor">
+        <a:schemeClr val="lt1"/>
+      </a:fontRef>
+    </dgm:style>
+  </dgm:styleLbl>
+  <dgm:styleLbl name="fgImgPlace1">
+    <dgm:scene3d>
+      <a:camera prst="orthographicFront"/>
+      <a:lightRig rig="threePt" dir="t"/>
+    </dgm:scene3d>
+    <dgm:sp3d/>
+    <dgm:txPr/>
+    <dgm:style>
+      <a:lnRef idx="2">
+        <a:scrgbClr r="0" g="0" b="0"/>
+      </a:lnRef>
+      <a:fillRef idx="1">
+        <a:scrgbClr r="0" g="0" b="0"/>
+      </a:fillRef>
+      <a:effectRef idx="0">
+        <a:scrgbClr r="0" g="0" b="0"/>
+      </a:effectRef>
+      <a:fontRef idx="minor"/>
+    </dgm:style>
+  </dgm:styleLbl>
+  <dgm:styleLbl name="alignImgPlace1">
+    <dgm:scene3d>
+      <a:camera prst="orthographicFront"/>
+      <a:lightRig rig="threePt" dir="t"/>
+    </dgm:scene3d>
+    <dgm:sp3d/>
+    <dgm:txPr/>
+    <dgm:style>
+      <a:lnRef idx="2">
+        <a:scrgbClr r="0" g="0" b="0"/>
+      </a:lnRef>
+      <a:fillRef idx="1">
+        <a:scrgbClr r="0" g="0" b="0"/>
+      </a:fillRef>
+      <a:effectRef idx="0">
+        <a:scrgbClr r="0" g="0" b="0"/>
+      </a:effectRef>
+      <a:fontRef idx="minor"/>
+    </dgm:style>
+  </dgm:styleLbl>
+  <dgm:styleLbl name="bgImgPlace1">
+    <dgm:scene3d>
+      <a:camera prst="orthographicFront"/>
+      <a:lightRig rig="threePt" dir="t"/>
+    </dgm:scene3d>
+    <dgm:sp3d/>
+    <dgm:txPr/>
+    <dgm:style>
+      <a:lnRef idx="2">
+        <a:scrgbClr r="0" g="0" b="0"/>
+      </a:lnRef>
+      <a:fillRef idx="1">
+        <a:scrgbClr r="0" g="0" b="0"/>
+      </a:fillRef>
+      <a:effectRef idx="0">
+        <a:scrgbClr r="0" g="0" b="0"/>
+      </a:effectRef>
+      <a:fontRef idx="minor"/>
+    </dgm:style>
+  </dgm:styleLbl>
+  <dgm:styleLbl name="sibTrans2D1">
+    <dgm:scene3d>
+      <a:camera prst="orthographicFront"/>
+      <a:lightRig rig="threePt" dir="t"/>
+    </dgm:scene3d>
+    <dgm:sp3d/>
+    <dgm:txPr/>
+    <dgm:style>
+      <a:lnRef idx="0">
+        <a:scrgbClr r="0" g="0" b="0"/>
+      </a:lnRef>
+      <a:fillRef idx="1">
+        <a:scrgbClr r="0" g="0" b="0"/>
+      </a:fillRef>
+      <a:effectRef idx="0">
+        <a:scrgbClr r="0" g="0" b="0"/>
+      </a:effectRef>
+      <a:fontRef idx="minor">
+        <a:schemeClr val="lt1"/>
+      </a:fontRef>
+    </dgm:style>
+  </dgm:styleLbl>
+  <dgm:styleLbl name="fgSibTrans2D1">
+    <dgm:scene3d>
+      <a:camera prst="orthographicFront"/>
+      <a:lightRig rig="threePt" dir="t"/>
+    </dgm:scene3d>
+    <dgm:sp3d/>
+    <dgm:txPr/>
+    <dgm:style>
+      <a:lnRef idx="0">
+        <a:scrgbClr r="0" g="0" b="0"/>
+      </a:lnRef>
+      <a:fillRef idx="1">
+        <a:scrgbClr r="0" g="0" b="0"/>
+      </a:fillRef>
+      <a:effectRef idx="0">
+        <a:scrgbClr r="0" g="0" b="0"/>
+      </a:effectRef>
+      <a:fontRef idx="minor">
+        <a:schemeClr val="lt1"/>
+      </a:fontRef>
+    </dgm:style>
+  </dgm:styleLbl>
+  <dgm:styleLbl name="bgSibTrans2D1">
+    <dgm:scene3d>
+      <a:camera prst="orthographicFront"/>
+      <a:lightRig rig="threePt" dir="t"/>
+    </dgm:scene3d>
+    <dgm:sp3d/>
+    <dgm:txPr/>
+    <dgm:style>
+      <a:lnRef idx="0">
+        <a:scrgbClr r="0" g="0" b="0"/>
+      </a:lnRef>
+      <a:fillRef idx="1">
+        <a:scrgbClr r="0" g="0" b="0"/>
+      </a:fillRef>
+      <a:effectRef idx="0">
+        <a:scrgbClr r="0" g="0" b="0"/>
+      </a:effectRef>
+      <a:fontRef idx="minor">
+        <a:schemeClr val="lt1"/>
+      </a:fontRef>
+    </dgm:style>
+  </dgm:styleLbl>
+  <dgm:styleLbl name="sibTrans1D1">
+    <dgm:scene3d>
+      <a:camera prst="orthographicFront"/>
+      <a:lightRig rig="threePt" dir="t"/>
+    </dgm:scene3d>
+    <dgm:sp3d/>
+    <dgm:txPr/>
+    <dgm:style>
+      <a:lnRef idx="1">
+        <a:scrgbClr r="0" g="0" b="0"/>
+      </a:lnRef>
+      <a:fillRef idx="0">
+        <a:scrgbClr r="0" g="0" b="0"/>
+      </a:fillRef>
+      <a:effectRef idx="0">
+        <a:scrgbClr r="0" g="0" b="0"/>
+      </a:effectRef>
+      <a:fontRef idx="minor"/>
+    </dgm:style>
+  </dgm:styleLbl>
+  <dgm:styleLbl name="callout">
+    <dgm:scene3d>
+      <a:camera prst="orthographicFront"/>
+      <a:lightRig rig="threePt" dir="t"/>
+    </dgm:scene3d>
+    <dgm:sp3d/>
+    <dgm:txPr/>
+    <dgm:style>
+      <a:lnRef idx="2">
+        <a:scrgbClr r="0" g="0" b="0"/>
+      </a:lnRef>
+      <a:fillRef idx="1">
+        <a:scrgbClr r="0" g="0" b="0"/>
+      </a:fillRef>
+      <a:effectRef idx="0">
+        <a:scrgbClr r="0" g="0" b="0"/>
+      </a:effectRef>
+      <a:fontRef idx="minor"/>
+    </dgm:style>
+  </dgm:styleLbl>
+  <dgm:styleLbl name="asst0">
+    <dgm:scene3d>
+      <a:camera prst="orthographicFront"/>
+      <a:lightRig rig="threePt" dir="t"/>
+    </dgm:scene3d>
+    <dgm:sp3d/>
+    <dgm:txPr/>
+    <dgm:style>
+      <a:lnRef idx="2">
+        <a:scrgbClr r="0" g="0" b="0"/>
+      </a:lnRef>
+      <a:fillRef idx="1">
+        <a:scrgbClr r="0" g="0" b="0"/>
+      </a:fillRef>
+      <a:effectRef idx="0">
+        <a:scrgbClr r="0" g="0" b="0"/>
+      </a:effectRef>
+      <a:fontRef idx="minor">
+        <a:schemeClr val="lt1"/>
+      </a:fontRef>
+    </dgm:style>
+  </dgm:styleLbl>
+  <dgm:styleLbl name="asst1">
+    <dgm:scene3d>
+      <a:camera prst="orthographicFront"/>
+      <a:lightRig rig="threePt" dir="t"/>
+    </dgm:scene3d>
+    <dgm:sp3d/>
+    <dgm:txPr/>
+    <dgm:style>
+      <a:lnRef idx="2">
+        <a:scrgbClr r="0" g="0" b="0"/>
+      </a:lnRef>
+      <a:fillRef idx="1">
+        <a:scrgbClr r="0" g="0" b="0"/>
+      </a:fillRef>
+      <a:effectRef idx="0">
+        <a:scrgbClr r="0" g="0" b="0"/>
+      </a:effectRef>
+      <a:fontRef idx="minor">
+        <a:schemeClr val="lt1"/>
+      </a:fontRef>
+    </dgm:style>
+  </dgm:styleLbl>
+  <dgm:styleLbl name="asst2">
+    <dgm:scene3d>
+      <a:camera prst="orthographicFront"/>
+      <a:lightRig rig="threePt" dir="t"/>
+    </dgm:scene3d>
+    <dgm:sp3d/>
+    <dgm:txPr/>
+    <dgm:style>
+      <a:lnRef idx="2">
+        <a:scrgbClr r="0" g="0" b="0"/>
+      </a:lnRef>
+      <a:fillRef idx="1">
+        <a:scrgbClr r="0" g="0" b="0"/>
+      </a:fillRef>
+      <a:effectRef idx="0">
+        <a:scrgbClr r="0" g="0" b="0"/>
+      </a:effectRef>
+      <a:fontRef idx="minor">
+        <a:schemeClr val="lt1"/>
+      </a:fontRef>
+    </dgm:style>
+  </dgm:styleLbl>
+  <dgm:styleLbl name="asst3">
+    <dgm:scene3d>
+      <a:camera prst="orthographicFront"/>
+      <a:lightRig rig="threePt" dir="t"/>
+    </dgm:scene3d>
+    <dgm:sp3d/>
+    <dgm:txPr/>
+    <dgm:style>
+      <a:lnRef idx="2">
+        <a:scrgbClr r="0" g="0" b="0"/>
+      </a:lnRef>
+      <a:fillRef idx="1">
+        <a:scrgbClr r="0" g="0" b="0"/>
+      </a:fillRef>
+      <a:effectRef idx="0">
+        <a:scrgbClr r="0" g="0" b="0"/>
+      </a:effectRef>
+      <a:fontRef idx="minor">
+        <a:schemeClr val="lt1"/>
+      </a:fontRef>
+    </dgm:style>
+  </dgm:styleLbl>
+  <dgm:styleLbl name="asst4">
+    <dgm:scene3d>
+      <a:camera prst="orthographicFront"/>
+      <a:lightRig rig="threePt" dir="t"/>
+    </dgm:scene3d>
+    <dgm:sp3d/>
+    <dgm:txPr/>
+    <dgm:style>
+      <a:lnRef idx="2">
+        <a:scrgbClr r="0" g="0" b="0"/>
+      </a:lnRef>
+      <a:fillRef idx="1">
+        <a:scrgbClr r="0" g="0" b="0"/>
+      </a:fillRef>
+      <a:effectRef idx="0">
+        <a:scrgbClr r="0" g="0" b="0"/>
+      </a:effectRef>
+      <a:fontRef idx="minor">
+        <a:schemeClr val="lt1"/>
+      </a:fontRef>
+    </dgm:style>
+  </dgm:styleLbl>
+  <dgm:styleLbl name="parChTrans2D1">
+    <dgm:scene3d>
+      <a:camera prst="orthographicFront"/>
+      <a:lightRig rig="threePt" dir="t"/>
+    </dgm:scene3d>
+    <dgm:sp3d/>
+    <dgm:txPr/>
+    <dgm:style>
+      <a:lnRef idx="2">
+        <a:scrgbClr r="0" g="0" b="0"/>
+      </a:lnRef>
+      <a:fillRef idx="1">
+        <a:scrgbClr r="0" g="0" b="0"/>
+      </a:fillRef>
+      <a:effectRef idx="0">
+        <a:scrgbClr r="0" g="0" b="0"/>
+      </a:effectRef>
+      <a:fontRef idx="minor">
+        <a:schemeClr val="lt1"/>
+      </a:fontRef>
+    </dgm:style>
+  </dgm:styleLbl>
+  <dgm:styleLbl name="parChTrans2D2">
+    <dgm:scene3d>
+      <a:camera prst="orthographicFront"/>
+      <a:lightRig rig="threePt" dir="t"/>
+    </dgm:scene3d>
+    <dgm:sp3d/>
+    <dgm:txPr/>
+    <dgm:style>
+      <a:lnRef idx="2">
+        <a:scrgbClr r="0" g="0" b="0"/>
+      </a:lnRef>
+      <a:fillRef idx="1">
+        <a:scrgbClr r="0" g="0" b="0"/>
+      </a:fillRef>
+      <a:effectRef idx="0">
+        <a:scrgbClr r="0" g="0" b="0"/>
+      </a:effectRef>
+      <a:fontRef idx="minor">
+        <a:schemeClr val="lt1"/>
+      </a:fontRef>
+    </dgm:style>
+  </dgm:styleLbl>
+  <dgm:styleLbl name="parChTrans2D3">
+    <dgm:scene3d>
+      <a:camera prst="orthographicFront"/>
+      <a:lightRig rig="threePt" dir="t"/>
+    </dgm:scene3d>
+    <dgm:sp3d/>
+    <dgm:txPr/>
+    <dgm:style>
+      <a:lnRef idx="2">
+        <a:scrgbClr r="0" g="0" b="0"/>
+      </a:lnRef>
+      <a:fillRef idx="1">
+        <a:scrgbClr r="0" g="0" b="0"/>
+      </a:fillRef>
+      <a:effectRef idx="0">
+        <a:scrgbClr r="0" g="0" b="0"/>
+      </a:effectRef>
+      <a:fontRef idx="minor">
+        <a:schemeClr val="lt1"/>
+      </a:fontRef>
+    </dgm:style>
+  </dgm:styleLbl>
+  <dgm:styleLbl name="parChTrans2D4">
+    <dgm:scene3d>
+      <a:camera prst="orthographicFront"/>
+      <a:lightRig rig="threePt" dir="t"/>
+    </dgm:scene3d>
+    <dgm:sp3d/>
+    <dgm:txPr/>
+    <dgm:style>
+      <a:lnRef idx="2">
+        <a:scrgbClr r="0" g="0" b="0"/>
+      </a:lnRef>
+      <a:fillRef idx="1">
+        <a:scrgbClr r="0" g="0" b="0"/>
+      </a:fillRef>
+      <a:effectRef idx="0">
+        <a:scrgbClr r="0" g="0" b="0"/>
+      </a:effectRef>
+      <a:fontRef idx="minor">
+        <a:schemeClr val="lt1"/>
+      </a:fontRef>
+    </dgm:style>
+  </dgm:styleLbl>
+  <dgm:styleLbl name="parChTrans1D1">
+    <dgm:scene3d>
+      <a:camera prst="orthographicFront"/>
+      <a:lightRig rig="threePt" dir="t"/>
+    </dgm:scene3d>
+    <dgm:sp3d/>
+    <dgm:txPr/>
+    <dgm:style>
+      <a:lnRef idx="2">
+        <a:scrgbClr r="0" g="0" b="0"/>
+      </a:lnRef>
+      <a:fillRef idx="0">
+        <a:scrgbClr r="0" g="0" b="0"/>
+      </a:fillRef>
+      <a:effectRef idx="0">
+        <a:scrgbClr r="0" g="0" b="0"/>
+      </a:effectRef>
+      <a:fontRef idx="minor"/>
+    </dgm:style>
+  </dgm:styleLbl>
+  <dgm:styleLbl name="parChTrans1D2">
+    <dgm:scene3d>
+      <a:camera prst="orthographicFront"/>
+      <a:lightRig rig="threePt" dir="t"/>
+    </dgm:scene3d>
+    <dgm:sp3d/>
+    <dgm:txPr/>
+    <dgm:style>
+      <a:lnRef idx="2">
+        <a:scrgbClr r="0" g="0" b="0"/>
+      </a:lnRef>
+      <a:fillRef idx="0">
+        <a:scrgbClr r="0" g="0" b="0"/>
+      </a:fillRef>
+      <a:effectRef idx="0">
+        <a:scrgbClr r="0" g="0" b="0"/>
+      </a:effectRef>
+      <a:fontRef idx="minor"/>
+    </dgm:style>
+  </dgm:styleLbl>
+  <dgm:styleLbl name="parChTrans1D3">
+    <dgm:scene3d>
+      <a:camera prst="orthographicFront"/>
+      <a:lightRig rig="threePt" dir="t"/>
+    </dgm:scene3d>
+    <dgm:sp3d/>
+    <dgm:txPr/>
+    <dgm:style>
+      <a:lnRef idx="2">
+        <a:scrgbClr r="0" g="0" b="0"/>
+      </a:lnRef>
+      <a:fillRef idx="0">
+        <a:scrgbClr r="0" g="0" b="0"/>
+      </a:fillRef>
+      <a:effectRef idx="0">
+        <a:scrgbClr r="0" g="0" b="0"/>
+      </a:effectRef>
+      <a:fontRef idx="minor"/>
+    </dgm:style>
+  </dgm:styleLbl>
+  <dgm:styleLbl name="parChTrans1D4">
+    <dgm:scene3d>
+      <a:camera prst="orthographicFront"/>
+      <a:lightRig rig="threePt" dir="t"/>
+    </dgm:scene3d>
+    <dgm:sp3d/>
+    <dgm:txPr/>
+    <dgm:style>
+      <a:lnRef idx="2">
+        <a:scrgbClr r="0" g="0" b="0"/>
+      </a:lnRef>
+      <a:fillRef idx="0">
+        <a:scrgbClr r="0" g="0" b="0"/>
+      </a:fillRef>
+      <a:effectRef idx="0">
+        <a:scrgbClr r="0" g="0" b="0"/>
+      </a:effectRef>
+      <a:fontRef idx="minor"/>
+    </dgm:style>
+  </dgm:styleLbl>
+  <dgm:styleLbl name="fgAcc1">
+    <dgm:scene3d>
+      <a:camera prst="orthographicFront"/>
+      <a:lightRig rig="threePt" dir="t"/>
+    </dgm:scene3d>
+    <dgm:sp3d/>
+    <dgm:txPr/>
+    <dgm:style>
+      <a:lnRef idx="2">
+        <a:scrgbClr r="0" g="0" b="0"/>
+      </a:lnRef>
+      <a:fillRef idx="1">
+        <a:scrgbClr r="0" g="0" b="0"/>
+      </a:fillRef>
+      <a:effectRef idx="0">
+        <a:scrgbClr r="0" g="0" b="0"/>
+      </a:effectRef>
+      <a:fontRef idx="minor"/>
+    </dgm:style>
+  </dgm:styleLbl>
+  <dgm:styleLbl name="conFgAcc1">
+    <dgm:scene3d>
+      <a:camera prst="orthographicFront"/>
+      <a:lightRig rig="threePt" dir="t"/>
+    </dgm:scene3d>
+    <dgm:sp3d/>
+    <dgm:txPr/>
+    <dgm:style>
+      <a:lnRef idx="2">
+        <a:scrgbClr r="0" g="0" b="0"/>
+      </a:lnRef>
+      <a:fillRef idx="1">
+        <a:scrgbClr r="0" g="0" b="0"/>
+      </a:fillRef>
+      <a:effectRef idx="0">
+        <a:scrgbClr r="0" g="0" b="0"/>
+      </a:effectRef>
+      <a:fontRef idx="minor"/>
+    </dgm:style>
+  </dgm:styleLbl>
+  <dgm:styleLbl name="alignAcc1">
+    <dgm:scene3d>
+      <a:camera prst="orthographicFront"/>
+      <a:lightRig rig="threePt" dir="t"/>
+    </dgm:scene3d>
+    <dgm:sp3d/>
+    <dgm:txPr/>
+    <dgm:style>
+      <a:lnRef idx="2">
+        <a:scrgbClr r="0" g="0" b="0"/>
+      </a:lnRef>
+      <a:fillRef idx="1">
+        <a:scrgbClr r="0" g="0" b="0"/>
+      </a:fillRef>
+      <a:effectRef idx="0">
+        <a:scrgbClr r="0" g="0" b="0"/>
+      </a:effectRef>
+      <a:fontRef idx="minor"/>
+    </dgm:style>
+  </dgm:styleLbl>
+  <dgm:styleLbl name="trAlignAcc1">
+    <dgm:scene3d>
+      <a:camera prst="orthographicFront"/>
+      <a:lightRig rig="threePt" dir="t"/>
+    </dgm:scene3d>
+    <dgm:sp3d/>
+    <dgm:txPr/>
+    <dgm:style>
+      <a:lnRef idx="1">
+        <a:scrgbClr r="0" g="0" b="0"/>
+      </a:lnRef>
+      <a:fillRef idx="1">
+        <a:scrgbClr r="0" g="0" b="0"/>
+      </a:fillRef>
+      <a:effectRef idx="0">
+        <a:scrgbClr r="0" g="0" b="0"/>
+      </a:effectRef>
+      <a:fontRef idx="minor"/>
+    </dgm:style>
+  </dgm:styleLbl>
+  <dgm:styleLbl name="bgAcc1">
+    <dgm:scene3d>
+      <a:camera prst="orthographicFront"/>
+      <a:lightRig rig="threePt" dir="t"/>
+    </dgm:scene3d>
+    <dgm:sp3d/>
+    <dgm:txPr/>
+    <dgm:style>
+      <a:lnRef idx="2">
+        <a:scrgbClr r="0" g="0" b="0"/>
+      </a:lnRef>
+      <a:fillRef idx="1">
+        <a:scrgbClr r="0" g="0" b="0"/>
+      </a:fillRef>
+      <a:effectRef idx="0">
+        <a:scrgbClr r="0" g="0" b="0"/>
+      </a:effectRef>
+      <a:fontRef idx="minor"/>
+    </dgm:style>
+  </dgm:styleLbl>
+  <dgm:styleLbl name="solidFgAcc1">
+    <dgm:scene3d>
+      <a:camera prst="orthographicFront"/>
+      <a:lightRig rig="threePt" dir="t"/>
+    </dgm:scene3d>
+    <dgm:sp3d/>
+    <dgm:txPr/>
+    <dgm:style>
+      <a:lnRef idx="2">
+        <a:scrgbClr r="0" g="0" b="0"/>
+      </a:lnRef>
+      <a:fillRef idx="1">
+        <a:scrgbClr r="0" g="0" b="0"/>
+      </a:fillRef>
+      <a:effectRef idx="0">
+        <a:scrgbClr r="0" g="0" b="0"/>
+      </a:effectRef>
+      <a:fontRef idx="minor"/>
+    </dgm:style>
+  </dgm:styleLbl>
+  <dgm:styleLbl name="solidAlignAcc1">
+    <dgm:scene3d>
+      <a:camera prst="orthographicFront"/>
+      <a:lightRig rig="threePt" dir="t"/>
+    </dgm:scene3d>
+    <dgm:sp3d/>
+    <dgm:txPr/>
+    <dgm:style>
+      <a:lnRef idx="2">
+        <a:scrgbClr r="0" g="0" b="0"/>
+      </a:lnRef>
+      <a:fillRef idx="1">
+        <a:scrgbClr r="0" g="0" b="0"/>
+      </a:fillRef>
+      <a:effectRef idx="0">
+        <a:scrgbClr r="0" g="0" b="0"/>
+      </a:effectRef>
+      <a:fontRef idx="minor"/>
+    </dgm:style>
+  </dgm:styleLbl>
+  <dgm:styleLbl name="solidBgAcc1">
+    <dgm:scene3d>
+      <a:camera prst="orthographicFront"/>
+      <a:lightRig rig="threePt" dir="t"/>
+    </dgm:scene3d>
+    <dgm:sp3d/>
+    <dgm:txPr/>
+    <dgm:style>
+      <a:lnRef idx="2">
+        <a:scrgbClr r="0" g="0" b="0"/>
+      </a:lnRef>
+      <a:fillRef idx="1">
+        <a:scrgbClr r="0" g="0" b="0"/>
+      </a:fillRef>
+      <a:effectRef idx="0">
+        <a:scrgbClr r="0" g="0" b="0"/>
+      </a:effectRef>
+      <a:fontRef idx="minor"/>
+    </dgm:style>
+  </dgm:styleLbl>
+  <dgm:styleLbl name="fgAccFollowNode1">
+    <dgm:scene3d>
+      <a:camera prst="orthographicFront"/>
+      <a:lightRig rig="threePt" dir="t"/>
+    </dgm:scene3d>
+    <dgm:sp3d/>
+    <dgm:txPr/>
+    <dgm:style>
+      <a:lnRef idx="2">
+        <a:scrgbClr r="0" g="0" b="0"/>
+      </a:lnRef>
+      <a:fillRef idx="1">
+        <a:scrgbClr r="0" g="0" b="0"/>
+      </a:fillRef>
+      <a:effectRef idx="0">
+        <a:scrgbClr r="0" g="0" b="0"/>
+      </a:effectRef>
+      <a:fontRef idx="minor"/>
+    </dgm:style>
+  </dgm:styleLbl>
+  <dgm:styleLbl name="alignAccFollowNode1">
+    <dgm:scene3d>
+      <a:camera prst="orthographicFront"/>
+      <a:lightRig rig="threePt" dir="t"/>
+    </dgm:scene3d>
+    <dgm:sp3d/>
+    <dgm:txPr/>
+    <dgm:style>
+      <a:lnRef idx="2">
+        <a:scrgbClr r="0" g="0" b="0"/>
+      </a:lnRef>
+      <a:fillRef idx="1">
+        <a:scrgbClr r="0" g="0" b="0"/>
+      </a:fillRef>
+      <a:effectRef idx="0">
+        <a:scrgbClr r="0" g="0" b="0"/>
+      </a:effectRef>
+      <a:fontRef idx="minor"/>
+    </dgm:style>
+  </dgm:styleLbl>
+  <dgm:styleLbl name="bgAccFollowNode1">
+    <dgm:scene3d>
+      <a:camera prst="orthographicFront"/>
+      <a:lightRig rig="threePt" dir="t"/>
+    </dgm:scene3d>
+    <dgm:sp3d/>
+    <dgm:txPr/>
+    <dgm:style>
+      <a:lnRef idx="2">
+        <a:scrgbClr r="0" g="0" b="0"/>
+      </a:lnRef>
+      <a:fillRef idx="1">
+        <a:scrgbClr r="0" g="0" b="0"/>
+      </a:fillRef>
+      <a:effectRef idx="0">
+        <a:scrgbClr r="0" g="0" b="0"/>
+      </a:effectRef>
+      <a:fontRef idx="minor"/>
+    </dgm:style>
+  </dgm:styleLbl>
+  <dgm:styleLbl name="fgAcc0">
+    <dgm:scene3d>
+      <a:camera prst="orthographicFront"/>
+      <a:lightRig rig="threePt" dir="t"/>
+    </dgm:scene3d>
+    <dgm:sp3d/>
+    <dgm:txPr/>
+    <dgm:style>
+      <a:lnRef idx="2">
+        <a:scrgbClr r="0" g="0" b="0"/>
+      </a:lnRef>
+      <a:fillRef idx="1">
+        <a:scrgbClr r="0" g="0" b="0"/>
+      </a:fillRef>
+      <a:effectRef idx="0">
+        <a:scrgbClr r="0" g="0" b="0"/>
+      </a:effectRef>
+      <a:fontRef idx="minor"/>
+    </dgm:style>
+  </dgm:styleLbl>
+  <dgm:styleLbl name="fgAcc2">
+    <dgm:scene3d>
+      <a:camera prst="orthographicFront"/>
+      <a:lightRig rig="threePt" dir="t"/>
+    </dgm:scene3d>
+    <dgm:sp3d/>
+    <dgm:txPr/>
+    <dgm:style>
+      <a:lnRef idx="2">
+        <a:scrgbClr r="0" g="0" b="0"/>
+      </a:lnRef>
+      <a:fillRef idx="1">
+        <a:scrgbClr r="0" g="0" b="0"/>
+      </a:fillRef>
+      <a:effectRef idx="0">
+        <a:scrgbClr r="0" g="0" b="0"/>
+      </a:effectRef>
+      <a:fontRef idx="minor"/>
+    </dgm:style>
+  </dgm:styleLbl>
+  <dgm:styleLbl name="fgAcc3">
+    <dgm:scene3d>
+      <a:camera prst="orthographicFront"/>
+      <a:lightRig rig="threePt" dir="t"/>
+    </dgm:scene3d>
+    <dgm:sp3d/>
+    <dgm:txPr/>
+    <dgm:style>
+      <a:lnRef idx="2">
+        <a:scrgbClr r="0" g="0" b="0"/>
+      </a:lnRef>
+      <a:fillRef idx="1">
+        <a:scrgbClr r="0" g="0" b="0"/>
+      </a:fillRef>
+      <a:effectRef idx="0">
+        <a:scrgbClr r="0" g="0" b="0"/>
+      </a:effectRef>
+      <a:fontRef idx="minor"/>
+    </dgm:style>
+  </dgm:styleLbl>
+  <dgm:styleLbl name="fgAcc4">
+    <dgm:scene3d>
+      <a:camera prst="orthographicFront"/>
+      <a:lightRig rig="threePt" dir="t"/>
+    </dgm:scene3d>
+    <dgm:sp3d/>
+    <dgm:txPr/>
+    <dgm:style>
+      <a:lnRef idx="2">
+        <a:scrgbClr r="0" g="0" b="0"/>
+      </a:lnRef>
+      <a:fillRef idx="1">
+        <a:scrgbClr r="0" g="0" b="0"/>
+      </a:fillRef>
+      <a:effectRef idx="0">
+        <a:scrgbClr r="0" g="0" b="0"/>
+      </a:effectRef>
+      <a:fontRef idx="minor"/>
+    </dgm:style>
+  </dgm:styleLbl>
+  <dgm:styleLbl name="bgShp">
+    <dgm:scene3d>
+      <a:camera prst="orthographicFront"/>
+      <a:lightRig rig="threePt" dir="t"/>
+    </dgm:scene3d>
+    <dgm:sp3d/>
+    <dgm:txPr/>
+    <dgm:style>
+      <a:lnRef idx="0">
+        <a:scrgbClr r="0" g="0" b="0"/>
+      </a:lnRef>
+      <a:fillRef idx="1">
+        <a:scrgbClr r="0" g="0" b="0"/>
+      </a:fillRef>
+      <a:effectRef idx="0">
+        <a:scrgbClr r="0" g="0" b="0"/>
+      </a:effectRef>
+      <a:fontRef idx="minor"/>
+    </dgm:style>
+  </dgm:styleLbl>
+  <dgm:styleLbl name="dkBgShp">
+    <dgm:scene3d>
+      <a:camera prst="orthographicFront"/>
+      <a:lightRig rig="threePt" dir="t"/>
+    </dgm:scene3d>
+    <dgm:sp3d/>
+    <dgm:txPr/>
+    <dgm:style>
+      <a:lnRef idx="0">
+        <a:scrgbClr r="0" g="0" b="0"/>
+      </a:lnRef>
+      <a:fillRef idx="1">
+        <a:scrgbClr r="0" g="0" b="0"/>
+      </a:fillRef>
+      <a:effectRef idx="0">
+        <a:scrgbClr r="0" g="0" b="0"/>
+      </a:effectRef>
+      <a:fontRef idx="minor"/>
+    </dgm:style>
+  </dgm:styleLbl>
+  <dgm:styleLbl name="trBgShp">
+    <dgm:scene3d>
+      <a:camera prst="orthographicFront"/>
+      <a:lightRig rig="threePt" dir="t"/>
+    </dgm:scene3d>
+    <dgm:sp3d/>
+    <dgm:txPr/>
+    <dgm:style>
+      <a:lnRef idx="0">
+        <a:scrgbClr r="0" g="0" b="0"/>
+      </a:lnRef>
+      <a:fillRef idx="1">
+        <a:scrgbClr r="0" g="0" b="0"/>
+      </a:fillRef>
+      <a:effectRef idx="0">
+        <a:scrgbClr r="0" g="0" b="0"/>
+      </a:effectRef>
+      <a:fontRef idx="minor"/>
+    </dgm:style>
+  </dgm:styleLbl>
+  <dgm:styleLbl name="fgShp">
+    <dgm:scene3d>
+      <a:camera prst="orthographicFront"/>
+      <a:lightRig rig="threePt" dir="t"/>
+    </dgm:scene3d>
+    <dgm:sp3d/>
+    <dgm:txPr/>
+    <dgm:style>
+      <a:lnRef idx="2">
+        <a:scrgbClr r="0" g="0" b="0"/>
+      </a:lnRef>
+      <a:fillRef idx="1">
+        <a:scrgbClr r="0" g="0" b="0"/>
+      </a:fillRef>
+      <a:effectRef idx="0">
+        <a:scrgbClr r="0" g="0" b="0"/>
+      </a:effectRef>
+      <a:fontRef idx="minor"/>
+    </dgm:style>
+  </dgm:styleLbl>
+  <dgm:styleLbl name="revTx">
+    <dgm:scene3d>
+      <a:camera prst="orthographicFront"/>
+      <a:lightRig rig="threePt" dir="t"/>
+    </dgm:scene3d>
+    <dgm:sp3d/>
+    <dgm:txPr/>
+    <dgm:style>
+      <a:lnRef idx="0">
+        <a:scrgbClr r="0" g="0" b="0"/>
+      </a:lnRef>
+      <a:fillRef idx="0">
+        <a:scrgbClr r="0" g="0" b="0"/>
+      </a:fillRef>
+      <a:effectRef idx="0">
+        <a:scrgbClr r="0" g="0" b="0"/>
+      </a:effectRef>
+      <a:fontRef idx="minor"/>
+    </dgm:style>
+  </dgm:styleLbl>
+</dgm:styleDef>
+</file>
+
+<file path=ppt/diagrams/quickStyle2.xml><?xml version="1.0" encoding="utf-8"?>
 <dgm:styleDef xmlns:dgm="http://schemas.openxmlformats.org/drawingml/2006/diagram" xmlns:a="http://schemas.openxmlformats.org/drawingml/2006/main" uniqueId="urn:microsoft.com/office/officeart/2005/8/quickstyle/simple1">
   <dgm:title val=""/>
   <dgm:desc val=""/>
@@ -2516,7 +5159,7 @@
           <a:p>
             <a:fld id="{2A023660-538D-49A7-966D-1D6EE931D646}" type="datetimeFigureOut">
               <a:rPr lang="en-US" smtClean="0"/>
-              <a:t>8/15/2023</a:t>
+              <a:t>8/20/2023</a:t>
             </a:fld>
             <a:endParaRPr lang="en-US" dirty="0"/>
           </a:p>
@@ -2681,7 +5324,7 @@
           <a:p>
             <a:fld id="{09B1BE3D-6C86-4C29-9E08-19DA88854E52}" type="datetimeFigureOut">
               <a:rPr lang="en-US" smtClean="0"/>
-              <a:t>8/15/2023</a:t>
+              <a:t>8/20/2023</a:t>
             </a:fld>
             <a:endParaRPr lang="en-US" dirty="0"/>
           </a:p>
@@ -3313,7 +5956,7 @@
           <a:p>
             <a:fld id="{B32F7EDC-3867-4FDE-BE23-E51108855537}" type="datetime3">
               <a:rPr lang="en-US" smtClean="0"/>
-              <a:t>15 August 2023</a:t>
+              <a:t>20 August 2023</a:t>
             </a:fld>
             <a:endParaRPr lang="en-US" dirty="0"/>
           </a:p>
@@ -3594,7 +6237,7 @@
           <a:p>
             <a:fld id="{3FACA6E8-0130-4196-8725-6B57BA3DE4E2}" type="datetime3">
               <a:rPr lang="en-US" smtClean="0"/>
-              <a:t>15 August 2023</a:t>
+              <a:t>20 August 2023</a:t>
             </a:fld>
             <a:endParaRPr lang="en-US" dirty="0"/>
           </a:p>
@@ -3836,7 +6479,7 @@
           <a:p>
             <a:fld id="{44E47D67-738F-4E9C-BC4C-DEB8750EFC8B}" type="datetime3">
               <a:rPr lang="en-US" smtClean="0"/>
-              <a:t>15 August 2023</a:t>
+              <a:t>20 August 2023</a:t>
             </a:fld>
             <a:endParaRPr lang="en-US" dirty="0"/>
           </a:p>
@@ -4268,7 +6911,7 @@
           <a:p>
             <a:fld id="{E376F382-4086-44C2-BE4B-478D9F6E236D}" type="datetime3">
               <a:rPr lang="en-US" smtClean="0"/>
-              <a:t>15 August 2023</a:t>
+              <a:t>20 August 2023</a:t>
             </a:fld>
             <a:endParaRPr lang="en-US" dirty="0"/>
           </a:p>
@@ -4597,7 +7240,7 @@
           <a:p>
             <a:fld id="{4D67E249-9E94-4FFA-83C2-B924862E9656}" type="datetime3">
               <a:rPr lang="en-US" smtClean="0"/>
-              <a:t>15 August 2023</a:t>
+              <a:t>20 August 2023</a:t>
             </a:fld>
             <a:endParaRPr lang="en-US" dirty="0"/>
           </a:p>
@@ -4904,7 +7547,7 @@
           <a:p>
             <a:fld id="{C05C34CB-EE61-442A-A9FC-F4637D66ACED}" type="datetime3">
               <a:rPr lang="en-US" smtClean="0"/>
-              <a:t>15 August 2023</a:t>
+              <a:t>20 August 2023</a:t>
             </a:fld>
             <a:endParaRPr lang="en-US" dirty="0"/>
           </a:p>
@@ -5359,7 +8002,7 @@
           <a:p>
             <a:fld id="{AA8E835D-DD16-4ED1-83FA-D21BAAB4098D}" type="datetime3">
               <a:rPr lang="en-US" smtClean="0"/>
-              <a:t>15 August 2023</a:t>
+              <a:t>20 August 2023</a:t>
             </a:fld>
             <a:endParaRPr lang="en-US" dirty="0"/>
           </a:p>
@@ -5536,7 +8179,7 @@
           <a:p>
             <a:fld id="{483E8C24-B198-48F1-9AC2-3592F6799F3E}" type="datetime3">
               <a:rPr lang="en-US" smtClean="0"/>
-              <a:t>15 August 2023</a:t>
+              <a:t>20 August 2023</a:t>
             </a:fld>
             <a:endParaRPr lang="en-US" dirty="0"/>
           </a:p>
@@ -5677,7 +8320,7 @@
           <a:p>
             <a:fld id="{3C070A70-B1C6-4712-931C-79A9119A66F6}" type="datetime3">
               <a:rPr lang="en-US" smtClean="0"/>
-              <a:t>15 August 2023</a:t>
+              <a:t>20 August 2023</a:t>
             </a:fld>
             <a:endParaRPr lang="en-US" dirty="0"/>
           </a:p>
@@ -6025,7 +8668,7 @@
           <a:p>
             <a:fld id="{C481BA1A-6395-499E-A6F3-E27E9014C241}" type="datetime3">
               <a:rPr lang="en-US" smtClean="0"/>
-              <a:t>15 August 2023</a:t>
+              <a:t>20 August 2023</a:t>
             </a:fld>
             <a:endParaRPr lang="en-US" dirty="0"/>
           </a:p>
@@ -6350,7 +8993,7 @@
           <a:p>
             <a:fld id="{7E167850-1370-417E-83F7-78B485F25B6F}" type="datetime3">
               <a:rPr lang="en-US" smtClean="0"/>
-              <a:t>15 August 2023</a:t>
+              <a:t>20 August 2023</a:t>
             </a:fld>
             <a:endParaRPr lang="en-US" dirty="0"/>
           </a:p>
@@ -6611,7 +9254,7 @@
           <a:p>
             <a:fld id="{9E20C2A9-9502-4110-84ED-897292E80F14}" type="datetime3">
               <a:rPr lang="en-US" smtClean="0"/>
-              <a:t>15 August 2023</a:t>
+              <a:t>20 August 2023</a:t>
             </a:fld>
             <a:endParaRPr lang="en-US" dirty="0"/>
           </a:p>
@@ -7147,7 +9790,7 @@
           <a:p>
             <a:fld id="{91E3CECF-6CE6-4FDC-A8AB-2F711DFEB035}" type="datetime3">
               <a:rPr lang="en-US" smtClean="0"/>
-              <a:t>15 August 2023</a:t>
+              <a:t>20 August 2023</a:t>
             </a:fld>
             <a:endParaRPr lang="en-US" dirty="0"/>
           </a:p>
@@ -7381,7 +10024,7 @@
           <a:p>
             <a:fld id="{E376F382-4086-44C2-BE4B-478D9F6E236D}" type="datetime3">
               <a:rPr lang="en-US" smtClean="0"/>
-              <a:t>15 August 2023</a:t>
+              <a:t>20 August 2023</a:t>
             </a:fld>
             <a:endParaRPr lang="en-US" dirty="0"/>
           </a:p>
@@ -7488,51 +10131,37 @@
           </a:p>
         </p:txBody>
       </p:sp>
-      <p:sp>
-        <p:nvSpPr>
-          <p:cNvPr id="3" name="Content Placeholder 2"/>
-          <p:cNvSpPr>
-            <a:spLocks noGrp="1"/>
-          </p:cNvSpPr>
+      <p:graphicFrame>
+        <p:nvGraphicFramePr>
+          <p:cNvPr id="7" name="Content Placeholder 6">
+            <a:extLst>
+              <a:ext uri="{FF2B5EF4-FFF2-40B4-BE49-F238E27FC236}">
+                <a16:creationId xmlns:a16="http://schemas.microsoft.com/office/drawing/2014/main" id="{E7DFD92E-E766-4008-875D-8A2FFD7D7E3E}"/>
+              </a:ext>
+            </a:extLst>
+          </p:cNvPr>
+          <p:cNvGraphicFramePr>
+            <a:graphicFrameLocks noGrp="1"/>
+          </p:cNvGraphicFramePr>
           <p:nvPr>
             <p:ph idx="1"/>
+            <p:extLst>
+              <p:ext uri="{D42A27DB-BD31-4B8C-83A1-F6EECF244321}">
+                <p14:modId xmlns:p14="http://schemas.microsoft.com/office/powerpoint/2010/main" val="1195994568"/>
+              </p:ext>
+            </p:extLst>
           </p:nvPr>
-        </p:nvSpPr>
-        <p:spPr/>
-        <p:txBody>
-          <a:bodyPr/>
-          <a:lstStyle/>
-          <a:p>
-            <a:r>
-              <a:rPr lang="en-GB" dirty="0"/>
-              <a:t>High Variance:</a:t>
-            </a:r>
-          </a:p>
-          <a:p>
-            <a:pPr lvl="1"/>
-            <a:r>
-              <a:rPr lang="en-GB" dirty="0"/>
-              <a:t>If your model is performing really well on the training set, but much poorer on the hold-out set</a:t>
-            </a:r>
-          </a:p>
-          <a:p>
-            <a:r>
-              <a:rPr lang="en-GB" dirty="0"/>
-              <a:t>High Bias:</a:t>
-            </a:r>
-          </a:p>
-          <a:p>
-            <a:pPr lvl="1"/>
-            <a:r>
-              <a:rPr lang="en-GB" dirty="0"/>
-              <a:t>If your model is performing poorly on both training and test data sets, it is suffering from high bias.</a:t>
-            </a:r>
-          </a:p>
-          <a:p>
-            <a:endParaRPr lang="en-IN" dirty="0"/>
-          </a:p>
-        </p:txBody>
-      </p:sp>
+        </p:nvGraphicFramePr>
+        <p:xfrm>
+          <a:off x="365991" y="1398105"/>
+          <a:ext cx="11450188" cy="4008396"/>
+        </p:xfrm>
+        <a:graphic>
+          <a:graphicData uri="http://schemas.openxmlformats.org/drawingml/2006/diagram">
+            <dgm:relIds xmlns:dgm="http://schemas.openxmlformats.org/drawingml/2006/diagram" xmlns:r="http://schemas.openxmlformats.org/officeDocument/2006/relationships" r:dm="rId2" r:lo="rId3" r:qs="rId4" r:cs="rId5"/>
+          </a:graphicData>
+        </a:graphic>
+      </p:graphicFrame>
       <p:sp>
         <p:nvSpPr>
           <p:cNvPr id="4" name="Date Placeholder 3"/>
@@ -7550,7 +10179,7 @@
           <a:p>
             <a:fld id="{E376F382-4086-44C2-BE4B-478D9F6E236D}" type="datetime3">
               <a:rPr lang="en-US" smtClean="0"/>
-              <a:t>15 August 2023</a:t>
+              <a:t>20 August 2023</a:t>
             </a:fld>
             <a:endParaRPr lang="en-US" dirty="0"/>
           </a:p>
@@ -7746,7 +10375,7 @@
           <a:p>
             <a:fld id="{E376F382-4086-44C2-BE4B-478D9F6E236D}" type="datetime3">
               <a:rPr lang="en-US" smtClean="0"/>
-              <a:t>15 August 2023</a:t>
+              <a:t>20 August 2023</a:t>
             </a:fld>
             <a:endParaRPr lang="en-US" dirty="0"/>
           </a:p>
@@ -8220,7 +10849,7 @@
           <a:p>
             <a:fld id="{E376F382-4086-44C2-BE4B-478D9F6E236D}" type="datetime3">
               <a:rPr lang="en-US" smtClean="0"/>
-              <a:t>15 August 2023</a:t>
+              <a:t>20 August 2023</a:t>
             </a:fld>
             <a:endParaRPr lang="en-US" dirty="0"/>
           </a:p>
@@ -8343,7 +10972,7 @@
           <a:p>
             <a:fld id="{91E3CECF-6CE6-4FDC-A8AB-2F711DFEB035}" type="datetime3">
               <a:rPr lang="en-US" smtClean="0"/>
-              <a:t>15 August 2023</a:t>
+              <a:t>20 August 2023</a:t>
             </a:fld>
             <a:endParaRPr lang="en-US" dirty="0"/>
           </a:p>
